--- a/Présentation électronique.pptx
+++ b/Présentation électronique.pptx
@@ -114,6 +114,11 @@
       </a:defRPr>
     </a:lvl9pPr>
   </p:defaultTextStyle>
+  <p:extLst>
+    <p:ext uri="{EFAFB233-063F-42B5-8137-9DF3F51BA10A}">
+      <p15:sldGuideLst xmlns:p15="http://schemas.microsoft.com/office/powerpoint/2012/main"/>
+    </p:ext>
+  </p:extLst>
 </p:presentation>
 </file>
 
@@ -339,7 +344,7 @@
             <a:fld id="{A37D6D71-8B28-4ED6-B932-04B197003D23}" type="datetimeFigureOut">
               <a:rPr lang="en-US" smtClean="0"/>
               <a:pPr algn="r"/>
-              <a:t>12/7/2023</a:t>
+              <a:t>12/9/2023</a:t>
             </a:fld>
             <a:endParaRPr lang="en-US" dirty="0"/>
           </a:p>
@@ -561,7 +566,7 @@
             <a:fld id="{A37D6D71-8B28-4ED6-B932-04B197003D23}" type="datetimeFigureOut">
               <a:rPr lang="en-US" smtClean="0"/>
               <a:pPr algn="r"/>
-              <a:t>12/7/2023</a:t>
+              <a:t>12/9/2023</a:t>
             </a:fld>
             <a:endParaRPr lang="en-US" dirty="0"/>
           </a:p>
@@ -844,7 +849,7 @@
             <a:fld id="{A37D6D71-8B28-4ED6-B932-04B197003D23}" type="datetimeFigureOut">
               <a:rPr lang="en-US" smtClean="0"/>
               <a:pPr algn="r"/>
-              <a:t>12/7/2023</a:t>
+              <a:t>12/9/2023</a:t>
             </a:fld>
             <a:endParaRPr lang="en-US" dirty="0"/>
           </a:p>
@@ -1058,7 +1063,7 @@
             <a:fld id="{A37D6D71-8B28-4ED6-B932-04B197003D23}" type="datetimeFigureOut">
               <a:rPr lang="en-US" smtClean="0"/>
               <a:pPr algn="r"/>
-              <a:t>12/7/2023</a:t>
+              <a:t>12/9/2023</a:t>
             </a:fld>
             <a:endParaRPr lang="en-US" dirty="0"/>
           </a:p>
@@ -1396,7 +1401,7 @@
             <a:fld id="{A37D6D71-8B28-4ED6-B932-04B197003D23}" type="datetimeFigureOut">
               <a:rPr lang="en-US" smtClean="0"/>
               <a:pPr algn="r"/>
-              <a:t>12/7/2023</a:t>
+              <a:t>12/9/2023</a:t>
             </a:fld>
             <a:endParaRPr lang="en-US" dirty="0"/>
           </a:p>
@@ -1671,7 +1676,7 @@
             <a:fld id="{A37D6D71-8B28-4ED6-B932-04B197003D23}" type="datetimeFigureOut">
               <a:rPr lang="en-US" smtClean="0"/>
               <a:pPr algn="r"/>
-              <a:t>12/7/2023</a:t>
+              <a:t>12/9/2023</a:t>
             </a:fld>
             <a:endParaRPr lang="en-US" dirty="0"/>
           </a:p>
@@ -2060,7 +2065,7 @@
             <a:fld id="{A37D6D71-8B28-4ED6-B932-04B197003D23}" type="datetimeFigureOut">
               <a:rPr lang="en-US" smtClean="0"/>
               <a:pPr algn="r"/>
-              <a:t>12/7/2023</a:t>
+              <a:t>12/9/2023</a:t>
             </a:fld>
             <a:endParaRPr lang="en-US" dirty="0"/>
           </a:p>
@@ -2237,7 +2242,7 @@
             <a:fld id="{A37D6D71-8B28-4ED6-B932-04B197003D23}" type="datetimeFigureOut">
               <a:rPr lang="en-US" smtClean="0"/>
               <a:pPr algn="r"/>
-              <a:t>12/7/2023</a:t>
+              <a:t>12/9/2023</a:t>
             </a:fld>
             <a:endParaRPr lang="en-US" dirty="0"/>
           </a:p>
@@ -2358,7 +2363,7 @@
             <a:fld id="{A37D6D71-8B28-4ED6-B932-04B197003D23}" type="datetimeFigureOut">
               <a:rPr lang="en-US" smtClean="0"/>
               <a:pPr algn="r"/>
-              <a:t>12/7/2023</a:t>
+              <a:t>12/9/2023</a:t>
             </a:fld>
             <a:endParaRPr lang="en-US" dirty="0"/>
           </a:p>
@@ -2643,7 +2648,7 @@
             <a:fld id="{A37D6D71-8B28-4ED6-B932-04B197003D23}" type="datetimeFigureOut">
               <a:rPr lang="en-US" smtClean="0"/>
               <a:pPr algn="r"/>
-              <a:t>12/7/2023</a:t>
+              <a:t>12/9/2023</a:t>
             </a:fld>
             <a:endParaRPr lang="en-US" dirty="0"/>
           </a:p>
@@ -2944,7 +2949,7 @@
             <a:fld id="{A37D6D71-8B28-4ED6-B932-04B197003D23}" type="datetimeFigureOut">
               <a:rPr lang="en-US" smtClean="0"/>
               <a:pPr algn="r"/>
-              <a:t>12/7/2023</a:t>
+              <a:t>12/9/2023</a:t>
             </a:fld>
             <a:endParaRPr lang="en-US" dirty="0"/>
           </a:p>
@@ -3292,7 +3297,7 @@
             <a:fld id="{A37D6D71-8B28-4ED6-B932-04B197003D23}" type="datetimeFigureOut">
               <a:rPr lang="en-US" smtClean="0"/>
               <a:pPr algn="r"/>
-              <a:t>12/7/2023</a:t>
+              <a:t>12/9/2023</a:t>
             </a:fld>
             <a:endParaRPr lang="en-US" spc="50" dirty="0"/>
           </a:p>
@@ -4102,7 +4107,7 @@
         <p:spPr>
           <a:xfrm>
             <a:off x="0" y="2181225"/>
-            <a:ext cx="12858750" cy="5029200"/>
+            <a:ext cx="12192000" cy="5029200"/>
           </a:xfrm>
           <a:solidFill>
             <a:schemeClr val="tx1"/>
@@ -4113,6 +4118,1354 @@
           <a:lstStyle/>
           <a:p>
             <a:endParaRPr lang="fr-FR" dirty="0"/>
+          </a:p>
+        </p:txBody>
+      </p:sp>
+      <p:sp>
+        <p:nvSpPr>
+          <p:cNvPr id="4" name="Rectangle 3">
+            <a:extLst>
+              <a:ext uri="{FF2B5EF4-FFF2-40B4-BE49-F238E27FC236}">
+                <a16:creationId xmlns:a16="http://schemas.microsoft.com/office/drawing/2014/main" id="{D823DE71-10FB-EA7D-C5E5-BFB3EB53E39D}"/>
+              </a:ext>
+            </a:extLst>
+          </p:cNvPr>
+          <p:cNvSpPr/>
+          <p:nvPr/>
+        </p:nvSpPr>
+        <p:spPr>
+          <a:xfrm>
+            <a:off x="777866" y="2081601"/>
+            <a:ext cx="1870443" cy="991302"/>
+          </a:xfrm>
+          <a:prstGeom prst="rect">
+            <a:avLst/>
+          </a:prstGeom>
+          <a:solidFill>
+            <a:srgbClr val="92D050">
+              <a:alpha val="50000"/>
+            </a:srgbClr>
+          </a:solidFill>
+        </p:spPr>
+        <p:style>
+          <a:lnRef idx="2">
+            <a:schemeClr val="accent1">
+              <a:shade val="15000"/>
+            </a:schemeClr>
+          </a:lnRef>
+          <a:fillRef idx="1">
+            <a:schemeClr val="accent1"/>
+          </a:fillRef>
+          <a:effectRef idx="0">
+            <a:schemeClr val="accent1"/>
+          </a:effectRef>
+          <a:fontRef idx="minor">
+            <a:schemeClr val="lt1"/>
+          </a:fontRef>
+        </p:style>
+        <p:txBody>
+          <a:bodyPr rtlCol="0" anchor="ctr"/>
+          <a:lstStyle/>
+          <a:p>
+            <a:pPr algn="ctr"/>
+            <a:endParaRPr lang="fr-FR" dirty="0"/>
+          </a:p>
+        </p:txBody>
+      </p:sp>
+      <p:sp>
+        <p:nvSpPr>
+          <p:cNvPr id="5" name="Rectangle 4">
+            <a:extLst>
+              <a:ext uri="{FF2B5EF4-FFF2-40B4-BE49-F238E27FC236}">
+                <a16:creationId xmlns:a16="http://schemas.microsoft.com/office/drawing/2014/main" id="{016D9947-BDA3-A210-B071-C40153C901C2}"/>
+              </a:ext>
+            </a:extLst>
+          </p:cNvPr>
+          <p:cNvSpPr/>
+          <p:nvPr/>
+        </p:nvSpPr>
+        <p:spPr>
+          <a:xfrm>
+            <a:off x="3958771" y="3739439"/>
+            <a:ext cx="1762125" cy="991302"/>
+          </a:xfrm>
+          <a:prstGeom prst="rect">
+            <a:avLst/>
+          </a:prstGeom>
+          <a:solidFill>
+            <a:srgbClr val="92D050">
+              <a:alpha val="50000"/>
+            </a:srgbClr>
+          </a:solidFill>
+        </p:spPr>
+        <p:style>
+          <a:lnRef idx="2">
+            <a:schemeClr val="accent1">
+              <a:shade val="15000"/>
+            </a:schemeClr>
+          </a:lnRef>
+          <a:fillRef idx="1">
+            <a:schemeClr val="accent1"/>
+          </a:fillRef>
+          <a:effectRef idx="0">
+            <a:schemeClr val="accent1"/>
+          </a:effectRef>
+          <a:fontRef idx="minor">
+            <a:schemeClr val="lt1"/>
+          </a:fontRef>
+        </p:style>
+        <p:txBody>
+          <a:bodyPr rtlCol="0" anchor="ctr"/>
+          <a:lstStyle/>
+          <a:p>
+            <a:pPr algn="ctr"/>
+            <a:endParaRPr lang="fr-FR" dirty="0"/>
+          </a:p>
+        </p:txBody>
+      </p:sp>
+      <p:sp>
+        <p:nvSpPr>
+          <p:cNvPr id="6" name="Rectangle 5">
+            <a:extLst>
+              <a:ext uri="{FF2B5EF4-FFF2-40B4-BE49-F238E27FC236}">
+                <a16:creationId xmlns:a16="http://schemas.microsoft.com/office/drawing/2014/main" id="{54F9EF76-E7AF-C1D2-0D99-7A039326EC7D}"/>
+              </a:ext>
+            </a:extLst>
+          </p:cNvPr>
+          <p:cNvSpPr/>
+          <p:nvPr/>
+        </p:nvSpPr>
+        <p:spPr>
+          <a:xfrm>
+            <a:off x="686801" y="5335415"/>
+            <a:ext cx="1870443" cy="991302"/>
+          </a:xfrm>
+          <a:prstGeom prst="rect">
+            <a:avLst/>
+          </a:prstGeom>
+          <a:solidFill>
+            <a:srgbClr val="92D050">
+              <a:alpha val="50000"/>
+            </a:srgbClr>
+          </a:solidFill>
+        </p:spPr>
+        <p:style>
+          <a:lnRef idx="2">
+            <a:schemeClr val="accent1">
+              <a:shade val="15000"/>
+            </a:schemeClr>
+          </a:lnRef>
+          <a:fillRef idx="1">
+            <a:schemeClr val="accent1"/>
+          </a:fillRef>
+          <a:effectRef idx="0">
+            <a:schemeClr val="accent1"/>
+          </a:effectRef>
+          <a:fontRef idx="minor">
+            <a:schemeClr val="lt1"/>
+          </a:fontRef>
+        </p:style>
+        <p:txBody>
+          <a:bodyPr rtlCol="0" anchor="ctr"/>
+          <a:lstStyle/>
+          <a:p>
+            <a:pPr algn="ctr"/>
+            <a:endParaRPr lang="fr-FR" dirty="0"/>
+          </a:p>
+        </p:txBody>
+      </p:sp>
+      <p:sp>
+        <p:nvSpPr>
+          <p:cNvPr id="7" name="Rectangle 6">
+            <a:extLst>
+              <a:ext uri="{FF2B5EF4-FFF2-40B4-BE49-F238E27FC236}">
+                <a16:creationId xmlns:a16="http://schemas.microsoft.com/office/drawing/2014/main" id="{E16D0AE4-2BFD-D249-3C73-3010D6D8511A}"/>
+              </a:ext>
+            </a:extLst>
+          </p:cNvPr>
+          <p:cNvSpPr/>
+          <p:nvPr/>
+        </p:nvSpPr>
+        <p:spPr>
+          <a:xfrm>
+            <a:off x="3958771" y="5335415"/>
+            <a:ext cx="1762125" cy="991302"/>
+          </a:xfrm>
+          <a:prstGeom prst="rect">
+            <a:avLst/>
+          </a:prstGeom>
+          <a:solidFill>
+            <a:srgbClr val="92D050">
+              <a:alpha val="50000"/>
+            </a:srgbClr>
+          </a:solidFill>
+        </p:spPr>
+        <p:style>
+          <a:lnRef idx="2">
+            <a:schemeClr val="accent1">
+              <a:shade val="15000"/>
+            </a:schemeClr>
+          </a:lnRef>
+          <a:fillRef idx="1">
+            <a:schemeClr val="accent1"/>
+          </a:fillRef>
+          <a:effectRef idx="0">
+            <a:schemeClr val="accent1"/>
+          </a:effectRef>
+          <a:fontRef idx="minor">
+            <a:schemeClr val="lt1"/>
+          </a:fontRef>
+        </p:style>
+        <p:txBody>
+          <a:bodyPr rtlCol="0" anchor="ctr"/>
+          <a:lstStyle/>
+          <a:p>
+            <a:pPr algn="ctr"/>
+            <a:endParaRPr lang="fr-FR" dirty="0"/>
+          </a:p>
+        </p:txBody>
+      </p:sp>
+      <p:sp>
+        <p:nvSpPr>
+          <p:cNvPr id="8" name="Rectangle 7">
+            <a:extLst>
+              <a:ext uri="{FF2B5EF4-FFF2-40B4-BE49-F238E27FC236}">
+                <a16:creationId xmlns:a16="http://schemas.microsoft.com/office/drawing/2014/main" id="{4F9A0C01-F416-C7EA-B1B4-723A41428470}"/>
+              </a:ext>
+            </a:extLst>
+          </p:cNvPr>
+          <p:cNvSpPr/>
+          <p:nvPr/>
+        </p:nvSpPr>
+        <p:spPr>
+          <a:xfrm>
+            <a:off x="9877306" y="5490736"/>
+            <a:ext cx="1477455" cy="585095"/>
+          </a:xfrm>
+          <a:prstGeom prst="rect">
+            <a:avLst/>
+          </a:prstGeom>
+          <a:solidFill>
+            <a:srgbClr val="92D050">
+              <a:alpha val="50000"/>
+            </a:srgbClr>
+          </a:solidFill>
+        </p:spPr>
+        <p:style>
+          <a:lnRef idx="2">
+            <a:schemeClr val="accent1">
+              <a:shade val="15000"/>
+            </a:schemeClr>
+          </a:lnRef>
+          <a:fillRef idx="1">
+            <a:schemeClr val="accent1"/>
+          </a:fillRef>
+          <a:effectRef idx="0">
+            <a:schemeClr val="accent1"/>
+          </a:effectRef>
+          <a:fontRef idx="minor">
+            <a:schemeClr val="lt1"/>
+          </a:fontRef>
+        </p:style>
+        <p:txBody>
+          <a:bodyPr rtlCol="0" anchor="ctr"/>
+          <a:lstStyle/>
+          <a:p>
+            <a:pPr algn="ctr"/>
+            <a:endParaRPr lang="fr-FR" dirty="0"/>
+          </a:p>
+        </p:txBody>
+      </p:sp>
+      <p:sp>
+        <p:nvSpPr>
+          <p:cNvPr id="9" name="Rectangle 8">
+            <a:extLst>
+              <a:ext uri="{FF2B5EF4-FFF2-40B4-BE49-F238E27FC236}">
+                <a16:creationId xmlns:a16="http://schemas.microsoft.com/office/drawing/2014/main" id="{B4CB152D-4D32-B15E-1EEC-0BB86FE89BC6}"/>
+              </a:ext>
+            </a:extLst>
+          </p:cNvPr>
+          <p:cNvSpPr/>
+          <p:nvPr/>
+        </p:nvSpPr>
+        <p:spPr>
+          <a:xfrm>
+            <a:off x="9877304" y="2370624"/>
+            <a:ext cx="1477455" cy="585095"/>
+          </a:xfrm>
+          <a:prstGeom prst="rect">
+            <a:avLst/>
+          </a:prstGeom>
+          <a:solidFill>
+            <a:srgbClr val="92D050">
+              <a:alpha val="50000"/>
+            </a:srgbClr>
+          </a:solidFill>
+        </p:spPr>
+        <p:style>
+          <a:lnRef idx="2">
+            <a:schemeClr val="accent1">
+              <a:shade val="15000"/>
+            </a:schemeClr>
+          </a:lnRef>
+          <a:fillRef idx="1">
+            <a:schemeClr val="accent1"/>
+          </a:fillRef>
+          <a:effectRef idx="0">
+            <a:schemeClr val="accent1"/>
+          </a:effectRef>
+          <a:fontRef idx="minor">
+            <a:schemeClr val="lt1"/>
+          </a:fontRef>
+        </p:style>
+        <p:txBody>
+          <a:bodyPr rtlCol="0" anchor="ctr"/>
+          <a:lstStyle/>
+          <a:p>
+            <a:pPr algn="ctr"/>
+            <a:endParaRPr lang="fr-FR" dirty="0"/>
+          </a:p>
+        </p:txBody>
+      </p:sp>
+      <p:sp>
+        <p:nvSpPr>
+          <p:cNvPr id="10" name="Rectangle 9">
+            <a:extLst>
+              <a:ext uri="{FF2B5EF4-FFF2-40B4-BE49-F238E27FC236}">
+                <a16:creationId xmlns:a16="http://schemas.microsoft.com/office/drawing/2014/main" id="{DA4C0E84-B3B6-2184-9D71-1F1D8F644ECE}"/>
+              </a:ext>
+            </a:extLst>
+          </p:cNvPr>
+          <p:cNvSpPr/>
+          <p:nvPr/>
+        </p:nvSpPr>
+        <p:spPr>
+          <a:xfrm>
+            <a:off x="9840398" y="3302857"/>
+            <a:ext cx="1477455" cy="585095"/>
+          </a:xfrm>
+          <a:prstGeom prst="rect">
+            <a:avLst/>
+          </a:prstGeom>
+          <a:solidFill>
+            <a:srgbClr val="92D050">
+              <a:alpha val="50000"/>
+            </a:srgbClr>
+          </a:solidFill>
+        </p:spPr>
+        <p:style>
+          <a:lnRef idx="2">
+            <a:schemeClr val="accent1">
+              <a:shade val="15000"/>
+            </a:schemeClr>
+          </a:lnRef>
+          <a:fillRef idx="1">
+            <a:schemeClr val="accent1"/>
+          </a:fillRef>
+          <a:effectRef idx="0">
+            <a:schemeClr val="accent1"/>
+          </a:effectRef>
+          <a:fontRef idx="minor">
+            <a:schemeClr val="lt1"/>
+          </a:fontRef>
+        </p:style>
+        <p:txBody>
+          <a:bodyPr rtlCol="0" anchor="ctr"/>
+          <a:lstStyle/>
+          <a:p>
+            <a:pPr algn="ctr"/>
+            <a:endParaRPr lang="fr-FR" dirty="0"/>
+          </a:p>
+        </p:txBody>
+      </p:sp>
+      <p:sp>
+        <p:nvSpPr>
+          <p:cNvPr id="11" name="Rectangle 10">
+            <a:extLst>
+              <a:ext uri="{FF2B5EF4-FFF2-40B4-BE49-F238E27FC236}">
+                <a16:creationId xmlns:a16="http://schemas.microsoft.com/office/drawing/2014/main" id="{1E9AA0CE-219F-4AB6-0204-C19D5015C214}"/>
+              </a:ext>
+            </a:extLst>
+          </p:cNvPr>
+          <p:cNvSpPr/>
+          <p:nvPr/>
+        </p:nvSpPr>
+        <p:spPr>
+          <a:xfrm>
+            <a:off x="9840399" y="4127209"/>
+            <a:ext cx="1477455" cy="585095"/>
+          </a:xfrm>
+          <a:prstGeom prst="rect">
+            <a:avLst/>
+          </a:prstGeom>
+          <a:solidFill>
+            <a:srgbClr val="92D050">
+              <a:alpha val="50000"/>
+            </a:srgbClr>
+          </a:solidFill>
+        </p:spPr>
+        <p:style>
+          <a:lnRef idx="2">
+            <a:schemeClr val="accent1">
+              <a:shade val="15000"/>
+            </a:schemeClr>
+          </a:lnRef>
+          <a:fillRef idx="1">
+            <a:schemeClr val="accent1"/>
+          </a:fillRef>
+          <a:effectRef idx="0">
+            <a:schemeClr val="accent1"/>
+          </a:effectRef>
+          <a:fontRef idx="minor">
+            <a:schemeClr val="lt1"/>
+          </a:fontRef>
+        </p:style>
+        <p:txBody>
+          <a:bodyPr rtlCol="0" anchor="ctr"/>
+          <a:lstStyle/>
+          <a:p>
+            <a:pPr algn="ctr"/>
+            <a:endParaRPr lang="fr-FR" dirty="0"/>
+          </a:p>
+        </p:txBody>
+      </p:sp>
+      <p:sp>
+        <p:nvSpPr>
+          <p:cNvPr id="12" name="ZoneTexte 11">
+            <a:extLst>
+              <a:ext uri="{FF2B5EF4-FFF2-40B4-BE49-F238E27FC236}">
+                <a16:creationId xmlns:a16="http://schemas.microsoft.com/office/drawing/2014/main" id="{6054B4F7-1E4D-CCC4-573D-50EDA9F02624}"/>
+              </a:ext>
+            </a:extLst>
+          </p:cNvPr>
+          <p:cNvSpPr txBox="1"/>
+          <p:nvPr/>
+        </p:nvSpPr>
+        <p:spPr>
+          <a:xfrm>
+            <a:off x="3867705" y="3848597"/>
+            <a:ext cx="1944256" cy="923330"/>
+          </a:xfrm>
+          <a:prstGeom prst="rect">
+            <a:avLst/>
+          </a:prstGeom>
+          <a:noFill/>
+        </p:spPr>
+        <p:txBody>
+          <a:bodyPr wrap="square" rtlCol="0">
+            <a:spAutoFit/>
+          </a:bodyPr>
+          <a:lstStyle/>
+          <a:p>
+            <a:pPr algn="ctr"/>
+            <a:r>
+              <a:rPr lang="fr-FR" dirty="0"/>
+              <a:t>Encodeur numérique et bouton poussoir </a:t>
+            </a:r>
+          </a:p>
+        </p:txBody>
+      </p:sp>
+      <p:sp>
+        <p:nvSpPr>
+          <p:cNvPr id="13" name="ZoneTexte 12">
+            <a:extLst>
+              <a:ext uri="{FF2B5EF4-FFF2-40B4-BE49-F238E27FC236}">
+                <a16:creationId xmlns:a16="http://schemas.microsoft.com/office/drawing/2014/main" id="{0330AF2A-A9EB-AFA6-914D-06D6AC0B0D42}"/>
+              </a:ext>
+            </a:extLst>
+          </p:cNvPr>
+          <p:cNvSpPr txBox="1"/>
+          <p:nvPr/>
+        </p:nvSpPr>
+        <p:spPr>
+          <a:xfrm>
+            <a:off x="649894" y="5507900"/>
+            <a:ext cx="1944256" cy="646331"/>
+          </a:xfrm>
+          <a:prstGeom prst="rect">
+            <a:avLst/>
+          </a:prstGeom>
+          <a:noFill/>
+        </p:spPr>
+        <p:txBody>
+          <a:bodyPr wrap="square" rtlCol="0">
+            <a:spAutoFit/>
+          </a:bodyPr>
+          <a:lstStyle/>
+          <a:p>
+            <a:r>
+              <a:rPr lang="fr-FR" dirty="0"/>
+              <a:t>capteur à ultrason HCSR04</a:t>
+            </a:r>
+          </a:p>
+        </p:txBody>
+      </p:sp>
+      <p:sp>
+        <p:nvSpPr>
+          <p:cNvPr id="14" name="ZoneTexte 13">
+            <a:extLst>
+              <a:ext uri="{FF2B5EF4-FFF2-40B4-BE49-F238E27FC236}">
+                <a16:creationId xmlns:a16="http://schemas.microsoft.com/office/drawing/2014/main" id="{293DDB2C-04EA-ECAA-B4E6-B7AC077B8B8F}"/>
+              </a:ext>
+            </a:extLst>
+          </p:cNvPr>
+          <p:cNvSpPr txBox="1"/>
+          <p:nvPr/>
+        </p:nvSpPr>
+        <p:spPr>
+          <a:xfrm>
+            <a:off x="777866" y="2392586"/>
+            <a:ext cx="1944256" cy="369332"/>
+          </a:xfrm>
+          <a:prstGeom prst="rect">
+            <a:avLst/>
+          </a:prstGeom>
+          <a:noFill/>
+        </p:spPr>
+        <p:txBody>
+          <a:bodyPr wrap="square" rtlCol="0">
+            <a:spAutoFit/>
+          </a:bodyPr>
+          <a:lstStyle/>
+          <a:p>
+            <a:r>
+              <a:rPr lang="fr-FR" dirty="0"/>
+              <a:t>Horloge interne </a:t>
+            </a:r>
+          </a:p>
+        </p:txBody>
+      </p:sp>
+      <p:sp>
+        <p:nvSpPr>
+          <p:cNvPr id="15" name="ZoneTexte 14">
+            <a:extLst>
+              <a:ext uri="{FF2B5EF4-FFF2-40B4-BE49-F238E27FC236}">
+                <a16:creationId xmlns:a16="http://schemas.microsoft.com/office/drawing/2014/main" id="{FF46BBFD-4BCC-7424-ACDA-02452BB301B3}"/>
+              </a:ext>
+            </a:extLst>
+          </p:cNvPr>
+          <p:cNvSpPr txBox="1"/>
+          <p:nvPr/>
+        </p:nvSpPr>
+        <p:spPr>
+          <a:xfrm>
+            <a:off x="3867705" y="5380008"/>
+            <a:ext cx="1944256" cy="923330"/>
+          </a:xfrm>
+          <a:prstGeom prst="rect">
+            <a:avLst/>
+          </a:prstGeom>
+          <a:noFill/>
+        </p:spPr>
+        <p:txBody>
+          <a:bodyPr wrap="square" rtlCol="0">
+            <a:spAutoFit/>
+          </a:bodyPr>
+          <a:lstStyle/>
+          <a:p>
+            <a:pPr algn="ctr"/>
+            <a:r>
+              <a:rPr lang="fr-FR" dirty="0"/>
+              <a:t>Enregistrer le temps de désactivation</a:t>
+            </a:r>
+          </a:p>
+        </p:txBody>
+      </p:sp>
+      <p:sp>
+        <p:nvSpPr>
+          <p:cNvPr id="16" name="ZoneTexte 15">
+            <a:extLst>
+              <a:ext uri="{FF2B5EF4-FFF2-40B4-BE49-F238E27FC236}">
+                <a16:creationId xmlns:a16="http://schemas.microsoft.com/office/drawing/2014/main" id="{AFB9B869-549C-782B-070B-87B34A650557}"/>
+              </a:ext>
+            </a:extLst>
+          </p:cNvPr>
+          <p:cNvSpPr txBox="1"/>
+          <p:nvPr/>
+        </p:nvSpPr>
+        <p:spPr>
+          <a:xfrm>
+            <a:off x="9643903" y="3440966"/>
+            <a:ext cx="1944256" cy="338554"/>
+          </a:xfrm>
+          <a:prstGeom prst="rect">
+            <a:avLst/>
+          </a:prstGeom>
+          <a:noFill/>
+        </p:spPr>
+        <p:txBody>
+          <a:bodyPr wrap="square" rtlCol="0">
+            <a:spAutoFit/>
+          </a:bodyPr>
+          <a:lstStyle/>
+          <a:p>
+            <a:pPr algn="ctr"/>
+            <a:r>
+              <a:rPr lang="fr-FR" sz="1600" dirty="0"/>
+              <a:t>buzzer</a:t>
+            </a:r>
+          </a:p>
+        </p:txBody>
+      </p:sp>
+      <p:sp>
+        <p:nvSpPr>
+          <p:cNvPr id="17" name="ZoneTexte 16">
+            <a:extLst>
+              <a:ext uri="{FF2B5EF4-FFF2-40B4-BE49-F238E27FC236}">
+                <a16:creationId xmlns:a16="http://schemas.microsoft.com/office/drawing/2014/main" id="{96A2A694-0F1D-9587-9C6D-9B0AE31D8CBE}"/>
+              </a:ext>
+            </a:extLst>
+          </p:cNvPr>
+          <p:cNvSpPr txBox="1"/>
+          <p:nvPr/>
+        </p:nvSpPr>
+        <p:spPr>
+          <a:xfrm>
+            <a:off x="9606997" y="4235090"/>
+            <a:ext cx="1944256" cy="338554"/>
+          </a:xfrm>
+          <a:prstGeom prst="rect">
+            <a:avLst/>
+          </a:prstGeom>
+          <a:noFill/>
+        </p:spPr>
+        <p:txBody>
+          <a:bodyPr wrap="square" rtlCol="0">
+            <a:spAutoFit/>
+          </a:bodyPr>
+          <a:lstStyle/>
+          <a:p>
+            <a:pPr algn="ctr"/>
+            <a:r>
+              <a:rPr lang="fr-FR" sz="1600" dirty="0"/>
+              <a:t>Ecran OLED </a:t>
+            </a:r>
+          </a:p>
+        </p:txBody>
+      </p:sp>
+      <p:cxnSp>
+        <p:nvCxnSpPr>
+          <p:cNvPr id="18" name="Connecteur droit avec flèche 17">
+            <a:extLst>
+              <a:ext uri="{FF2B5EF4-FFF2-40B4-BE49-F238E27FC236}">
+                <a16:creationId xmlns:a16="http://schemas.microsoft.com/office/drawing/2014/main" id="{D654FB18-CA81-00B9-6369-17AC466E10E5}"/>
+              </a:ext>
+            </a:extLst>
+          </p:cNvPr>
+          <p:cNvCxnSpPr>
+            <a:cxnSpLocks/>
+            <a:stCxn id="14" idx="3"/>
+          </p:cNvCxnSpPr>
+          <p:nvPr/>
+        </p:nvCxnSpPr>
+        <p:spPr>
+          <a:xfrm>
+            <a:off x="2722122" y="2577252"/>
+            <a:ext cx="7155183" cy="0"/>
+          </a:xfrm>
+          <a:prstGeom prst="straightConnector1">
+            <a:avLst/>
+          </a:prstGeom>
+          <a:ln>
+            <a:solidFill>
+              <a:srgbClr val="92D050"/>
+            </a:solidFill>
+            <a:tailEnd type="triangle"/>
+          </a:ln>
+        </p:spPr>
+        <p:style>
+          <a:lnRef idx="1">
+            <a:schemeClr val="accent1"/>
+          </a:lnRef>
+          <a:fillRef idx="0">
+            <a:schemeClr val="accent1"/>
+          </a:fillRef>
+          <a:effectRef idx="0">
+            <a:schemeClr val="accent1"/>
+          </a:effectRef>
+          <a:fontRef idx="minor">
+            <a:schemeClr val="tx1"/>
+          </a:fontRef>
+        </p:style>
+      </p:cxnSp>
+      <p:cxnSp>
+        <p:nvCxnSpPr>
+          <p:cNvPr id="19" name="Connecteur droit avec flèche 18">
+            <a:extLst>
+              <a:ext uri="{FF2B5EF4-FFF2-40B4-BE49-F238E27FC236}">
+                <a16:creationId xmlns:a16="http://schemas.microsoft.com/office/drawing/2014/main" id="{AF17C6AE-1DCF-1B83-81D6-8A165C1E8F4A}"/>
+              </a:ext>
+            </a:extLst>
+          </p:cNvPr>
+          <p:cNvCxnSpPr>
+            <a:cxnSpLocks/>
+            <a:stCxn id="13" idx="3"/>
+            <a:endCxn id="15" idx="1"/>
+          </p:cNvCxnSpPr>
+          <p:nvPr/>
+        </p:nvCxnSpPr>
+        <p:spPr>
+          <a:xfrm>
+            <a:off x="2594150" y="5831066"/>
+            <a:ext cx="1273555" cy="10607"/>
+          </a:xfrm>
+          <a:prstGeom prst="straightConnector1">
+            <a:avLst/>
+          </a:prstGeom>
+          <a:ln>
+            <a:solidFill>
+              <a:srgbClr val="92D050"/>
+            </a:solidFill>
+            <a:tailEnd type="triangle"/>
+          </a:ln>
+        </p:spPr>
+        <p:style>
+          <a:lnRef idx="1">
+            <a:schemeClr val="accent1"/>
+          </a:lnRef>
+          <a:fillRef idx="0">
+            <a:schemeClr val="accent1"/>
+          </a:fillRef>
+          <a:effectRef idx="0">
+            <a:schemeClr val="accent1"/>
+          </a:effectRef>
+          <a:fontRef idx="minor">
+            <a:schemeClr val="tx1"/>
+          </a:fontRef>
+        </p:style>
+      </p:cxnSp>
+      <p:cxnSp>
+        <p:nvCxnSpPr>
+          <p:cNvPr id="20" name="Connecteur droit avec flèche 19">
+            <a:extLst>
+              <a:ext uri="{FF2B5EF4-FFF2-40B4-BE49-F238E27FC236}">
+                <a16:creationId xmlns:a16="http://schemas.microsoft.com/office/drawing/2014/main" id="{405F81D2-8A2B-8492-9331-F31D69AFA988}"/>
+              </a:ext>
+            </a:extLst>
+          </p:cNvPr>
+          <p:cNvCxnSpPr>
+            <a:cxnSpLocks/>
+            <a:stCxn id="15" idx="3"/>
+          </p:cNvCxnSpPr>
+          <p:nvPr/>
+        </p:nvCxnSpPr>
+        <p:spPr>
+          <a:xfrm>
+            <a:off x="5811961" y="5841673"/>
+            <a:ext cx="4065343" cy="20107"/>
+          </a:xfrm>
+          <a:prstGeom prst="straightConnector1">
+            <a:avLst/>
+          </a:prstGeom>
+          <a:ln>
+            <a:solidFill>
+              <a:srgbClr val="92D050"/>
+            </a:solidFill>
+            <a:tailEnd type="triangle"/>
+          </a:ln>
+        </p:spPr>
+        <p:style>
+          <a:lnRef idx="1">
+            <a:schemeClr val="accent1"/>
+          </a:lnRef>
+          <a:fillRef idx="0">
+            <a:schemeClr val="accent1"/>
+          </a:fillRef>
+          <a:effectRef idx="0">
+            <a:schemeClr val="accent1"/>
+          </a:effectRef>
+          <a:fontRef idx="minor">
+            <a:schemeClr val="tx1"/>
+          </a:fontRef>
+        </p:style>
+      </p:cxnSp>
+      <p:cxnSp>
+        <p:nvCxnSpPr>
+          <p:cNvPr id="21" name="Connecteur droit 20">
+            <a:extLst>
+              <a:ext uri="{FF2B5EF4-FFF2-40B4-BE49-F238E27FC236}">
+                <a16:creationId xmlns:a16="http://schemas.microsoft.com/office/drawing/2014/main" id="{4F991F1C-7AD0-2EB4-60A0-DF4B7F763C09}"/>
+              </a:ext>
+            </a:extLst>
+          </p:cNvPr>
+          <p:cNvCxnSpPr>
+            <a:cxnSpLocks/>
+          </p:cNvCxnSpPr>
+          <p:nvPr/>
+        </p:nvCxnSpPr>
+        <p:spPr>
+          <a:xfrm flipV="1">
+            <a:off x="5795222" y="4108732"/>
+            <a:ext cx="1323617" cy="1"/>
+          </a:xfrm>
+          <a:prstGeom prst="line">
+            <a:avLst/>
+          </a:prstGeom>
+          <a:ln>
+            <a:solidFill>
+              <a:srgbClr val="92D050"/>
+            </a:solidFill>
+          </a:ln>
+        </p:spPr>
+        <p:style>
+          <a:lnRef idx="1">
+            <a:schemeClr val="accent1"/>
+          </a:lnRef>
+          <a:fillRef idx="0">
+            <a:schemeClr val="accent1"/>
+          </a:fillRef>
+          <a:effectRef idx="0">
+            <a:schemeClr val="accent1"/>
+          </a:effectRef>
+          <a:fontRef idx="minor">
+            <a:schemeClr val="tx1"/>
+          </a:fontRef>
+        </p:style>
+      </p:cxnSp>
+      <p:cxnSp>
+        <p:nvCxnSpPr>
+          <p:cNvPr id="22" name="Connecteur droit 21">
+            <a:extLst>
+              <a:ext uri="{FF2B5EF4-FFF2-40B4-BE49-F238E27FC236}">
+                <a16:creationId xmlns:a16="http://schemas.microsoft.com/office/drawing/2014/main" id="{6E4E4F44-C4D6-2CEB-710F-AC3C9BA04911}"/>
+              </a:ext>
+            </a:extLst>
+          </p:cNvPr>
+          <p:cNvCxnSpPr>
+            <a:cxnSpLocks/>
+          </p:cNvCxnSpPr>
+          <p:nvPr/>
+        </p:nvCxnSpPr>
+        <p:spPr>
+          <a:xfrm>
+            <a:off x="7164371" y="3616211"/>
+            <a:ext cx="0" cy="492521"/>
+          </a:xfrm>
+          <a:prstGeom prst="line">
+            <a:avLst/>
+          </a:prstGeom>
+          <a:ln>
+            <a:solidFill>
+              <a:srgbClr val="92D050"/>
+            </a:solidFill>
+          </a:ln>
+        </p:spPr>
+        <p:style>
+          <a:lnRef idx="1">
+            <a:schemeClr val="accent1"/>
+          </a:lnRef>
+          <a:fillRef idx="0">
+            <a:schemeClr val="accent1"/>
+          </a:fillRef>
+          <a:effectRef idx="0">
+            <a:schemeClr val="accent1"/>
+          </a:effectRef>
+          <a:fontRef idx="minor">
+            <a:schemeClr val="tx1"/>
+          </a:fontRef>
+        </p:style>
+      </p:cxnSp>
+      <p:cxnSp>
+        <p:nvCxnSpPr>
+          <p:cNvPr id="23" name="Connecteur droit avec flèche 22">
+            <a:extLst>
+              <a:ext uri="{FF2B5EF4-FFF2-40B4-BE49-F238E27FC236}">
+                <a16:creationId xmlns:a16="http://schemas.microsoft.com/office/drawing/2014/main" id="{6F426A47-BA0A-0019-E9EF-4B011C6D4CFA}"/>
+              </a:ext>
+            </a:extLst>
+          </p:cNvPr>
+          <p:cNvCxnSpPr>
+            <a:cxnSpLocks/>
+          </p:cNvCxnSpPr>
+          <p:nvPr/>
+        </p:nvCxnSpPr>
+        <p:spPr>
+          <a:xfrm>
+            <a:off x="7164371" y="3623909"/>
+            <a:ext cx="2676027" cy="13250"/>
+          </a:xfrm>
+          <a:prstGeom prst="straightConnector1">
+            <a:avLst/>
+          </a:prstGeom>
+          <a:ln>
+            <a:solidFill>
+              <a:srgbClr val="92D050"/>
+            </a:solidFill>
+            <a:tailEnd type="triangle"/>
+          </a:ln>
+        </p:spPr>
+        <p:style>
+          <a:lnRef idx="1">
+            <a:schemeClr val="accent1"/>
+          </a:lnRef>
+          <a:fillRef idx="0">
+            <a:schemeClr val="accent1"/>
+          </a:fillRef>
+          <a:effectRef idx="0">
+            <a:schemeClr val="accent1"/>
+          </a:effectRef>
+          <a:fontRef idx="minor">
+            <a:schemeClr val="tx1"/>
+          </a:fontRef>
+        </p:style>
+      </p:cxnSp>
+      <p:cxnSp>
+        <p:nvCxnSpPr>
+          <p:cNvPr id="24" name="Connecteur droit avec flèche 23">
+            <a:extLst>
+              <a:ext uri="{FF2B5EF4-FFF2-40B4-BE49-F238E27FC236}">
+                <a16:creationId xmlns:a16="http://schemas.microsoft.com/office/drawing/2014/main" id="{21E83CAD-257D-EE56-A03E-DF568E8F2870}"/>
+              </a:ext>
+            </a:extLst>
+          </p:cNvPr>
+          <p:cNvCxnSpPr>
+            <a:cxnSpLocks/>
+          </p:cNvCxnSpPr>
+          <p:nvPr/>
+        </p:nvCxnSpPr>
+        <p:spPr>
+          <a:xfrm>
+            <a:off x="7149974" y="4493327"/>
+            <a:ext cx="2676027" cy="13250"/>
+          </a:xfrm>
+          <a:prstGeom prst="straightConnector1">
+            <a:avLst/>
+          </a:prstGeom>
+          <a:ln>
+            <a:solidFill>
+              <a:srgbClr val="92D050"/>
+            </a:solidFill>
+            <a:tailEnd type="triangle"/>
+          </a:ln>
+        </p:spPr>
+        <p:style>
+          <a:lnRef idx="1">
+            <a:schemeClr val="accent1"/>
+          </a:lnRef>
+          <a:fillRef idx="0">
+            <a:schemeClr val="accent1"/>
+          </a:fillRef>
+          <a:effectRef idx="0">
+            <a:schemeClr val="accent1"/>
+          </a:effectRef>
+          <a:fontRef idx="minor">
+            <a:schemeClr val="tx1"/>
+          </a:fontRef>
+        </p:style>
+      </p:cxnSp>
+      <p:cxnSp>
+        <p:nvCxnSpPr>
+          <p:cNvPr id="25" name="Connecteur droit 24">
+            <a:extLst>
+              <a:ext uri="{FF2B5EF4-FFF2-40B4-BE49-F238E27FC236}">
+                <a16:creationId xmlns:a16="http://schemas.microsoft.com/office/drawing/2014/main" id="{AEAB7E34-050A-FCB5-44B8-8722DA82B7FA}"/>
+              </a:ext>
+            </a:extLst>
+          </p:cNvPr>
+          <p:cNvCxnSpPr>
+            <a:cxnSpLocks/>
+          </p:cNvCxnSpPr>
+          <p:nvPr/>
+        </p:nvCxnSpPr>
+        <p:spPr>
+          <a:xfrm>
+            <a:off x="5795222" y="3887953"/>
+            <a:ext cx="1054152" cy="0"/>
+          </a:xfrm>
+          <a:prstGeom prst="line">
+            <a:avLst/>
+          </a:prstGeom>
+          <a:ln>
+            <a:solidFill>
+              <a:srgbClr val="92D050"/>
+            </a:solidFill>
+          </a:ln>
+        </p:spPr>
+        <p:style>
+          <a:lnRef idx="1">
+            <a:schemeClr val="accent1"/>
+          </a:lnRef>
+          <a:fillRef idx="0">
+            <a:schemeClr val="accent1"/>
+          </a:fillRef>
+          <a:effectRef idx="0">
+            <a:schemeClr val="accent1"/>
+          </a:effectRef>
+          <a:fontRef idx="minor">
+            <a:schemeClr val="tx1"/>
+          </a:fontRef>
+        </p:style>
+      </p:cxnSp>
+      <p:cxnSp>
+        <p:nvCxnSpPr>
+          <p:cNvPr id="26" name="Connecteur droit 25">
+            <a:extLst>
+              <a:ext uri="{FF2B5EF4-FFF2-40B4-BE49-F238E27FC236}">
+                <a16:creationId xmlns:a16="http://schemas.microsoft.com/office/drawing/2014/main" id="{1F40DA0F-15F3-4272-D8F4-02FA354AC59A}"/>
+              </a:ext>
+            </a:extLst>
+          </p:cNvPr>
+          <p:cNvCxnSpPr>
+            <a:cxnSpLocks/>
+          </p:cNvCxnSpPr>
+          <p:nvPr/>
+        </p:nvCxnSpPr>
+        <p:spPr>
+          <a:xfrm>
+            <a:off x="6849374" y="2791206"/>
+            <a:ext cx="0" cy="1081973"/>
+          </a:xfrm>
+          <a:prstGeom prst="line">
+            <a:avLst/>
+          </a:prstGeom>
+          <a:ln>
+            <a:solidFill>
+              <a:srgbClr val="92D050"/>
+            </a:solidFill>
+          </a:ln>
+        </p:spPr>
+        <p:style>
+          <a:lnRef idx="1">
+            <a:schemeClr val="accent1"/>
+          </a:lnRef>
+          <a:fillRef idx="0">
+            <a:schemeClr val="accent1"/>
+          </a:fillRef>
+          <a:effectRef idx="0">
+            <a:schemeClr val="accent1"/>
+          </a:effectRef>
+          <a:fontRef idx="minor">
+            <a:schemeClr val="tx1"/>
+          </a:fontRef>
+        </p:style>
+      </p:cxnSp>
+      <p:cxnSp>
+        <p:nvCxnSpPr>
+          <p:cNvPr id="27" name="Connecteur droit avec flèche 26">
+            <a:extLst>
+              <a:ext uri="{FF2B5EF4-FFF2-40B4-BE49-F238E27FC236}">
+                <a16:creationId xmlns:a16="http://schemas.microsoft.com/office/drawing/2014/main" id="{5C3966DF-5640-96E0-58ED-05A44C458CB7}"/>
+              </a:ext>
+            </a:extLst>
+          </p:cNvPr>
+          <p:cNvCxnSpPr>
+            <a:cxnSpLocks/>
+          </p:cNvCxnSpPr>
+          <p:nvPr/>
+        </p:nvCxnSpPr>
+        <p:spPr>
+          <a:xfrm>
+            <a:off x="6849374" y="2818289"/>
+            <a:ext cx="3027930" cy="1741"/>
+          </a:xfrm>
+          <a:prstGeom prst="straightConnector1">
+            <a:avLst/>
+          </a:prstGeom>
+          <a:ln>
+            <a:solidFill>
+              <a:srgbClr val="92D050"/>
+            </a:solidFill>
+            <a:tailEnd type="triangle"/>
+          </a:ln>
+        </p:spPr>
+        <p:style>
+          <a:lnRef idx="1">
+            <a:schemeClr val="accent1"/>
+          </a:lnRef>
+          <a:fillRef idx="0">
+            <a:schemeClr val="accent1"/>
+          </a:fillRef>
+          <a:effectRef idx="0">
+            <a:schemeClr val="accent1"/>
+          </a:effectRef>
+          <a:fontRef idx="minor">
+            <a:schemeClr val="tx1"/>
+          </a:fontRef>
+        </p:style>
+      </p:cxnSp>
+      <p:cxnSp>
+        <p:nvCxnSpPr>
+          <p:cNvPr id="28" name="Connecteur droit 27">
+            <a:extLst>
+              <a:ext uri="{FF2B5EF4-FFF2-40B4-BE49-F238E27FC236}">
+                <a16:creationId xmlns:a16="http://schemas.microsoft.com/office/drawing/2014/main" id="{187E0C14-2192-F929-F175-5913C908CF89}"/>
+              </a:ext>
+            </a:extLst>
+          </p:cNvPr>
+          <p:cNvCxnSpPr>
+            <a:cxnSpLocks/>
+          </p:cNvCxnSpPr>
+          <p:nvPr/>
+        </p:nvCxnSpPr>
+        <p:spPr>
+          <a:xfrm>
+            <a:off x="5756977" y="4573644"/>
+            <a:ext cx="1054152" cy="0"/>
+          </a:xfrm>
+          <a:prstGeom prst="line">
+            <a:avLst/>
+          </a:prstGeom>
+          <a:ln>
+            <a:solidFill>
+              <a:srgbClr val="92D050"/>
+            </a:solidFill>
+          </a:ln>
+        </p:spPr>
+        <p:style>
+          <a:lnRef idx="1">
+            <a:schemeClr val="accent1"/>
+          </a:lnRef>
+          <a:fillRef idx="0">
+            <a:schemeClr val="accent1"/>
+          </a:fillRef>
+          <a:effectRef idx="0">
+            <a:schemeClr val="accent1"/>
+          </a:effectRef>
+          <a:fontRef idx="minor">
+            <a:schemeClr val="tx1"/>
+          </a:fontRef>
+        </p:style>
+      </p:cxnSp>
+      <p:cxnSp>
+        <p:nvCxnSpPr>
+          <p:cNvPr id="29" name="Connecteur droit 28">
+            <a:extLst>
+              <a:ext uri="{FF2B5EF4-FFF2-40B4-BE49-F238E27FC236}">
+                <a16:creationId xmlns:a16="http://schemas.microsoft.com/office/drawing/2014/main" id="{A643486E-5911-3A09-8D39-80C70A15F5EA}"/>
+              </a:ext>
+            </a:extLst>
+          </p:cNvPr>
+          <p:cNvCxnSpPr>
+            <a:cxnSpLocks/>
+          </p:cNvCxnSpPr>
+          <p:nvPr/>
+        </p:nvCxnSpPr>
+        <p:spPr>
+          <a:xfrm>
+            <a:off x="6849374" y="4573644"/>
+            <a:ext cx="0" cy="1076658"/>
+          </a:xfrm>
+          <a:prstGeom prst="line">
+            <a:avLst/>
+          </a:prstGeom>
+          <a:ln>
+            <a:solidFill>
+              <a:srgbClr val="92D050"/>
+            </a:solidFill>
+          </a:ln>
+        </p:spPr>
+        <p:style>
+          <a:lnRef idx="1">
+            <a:schemeClr val="accent1"/>
+          </a:lnRef>
+          <a:fillRef idx="0">
+            <a:schemeClr val="accent1"/>
+          </a:fillRef>
+          <a:effectRef idx="0">
+            <a:schemeClr val="accent1"/>
+          </a:effectRef>
+          <a:fontRef idx="minor">
+            <a:schemeClr val="tx1"/>
+          </a:fontRef>
+        </p:style>
+      </p:cxnSp>
+      <p:cxnSp>
+        <p:nvCxnSpPr>
+          <p:cNvPr id="30" name="Connecteur droit avec flèche 29">
+            <a:extLst>
+              <a:ext uri="{FF2B5EF4-FFF2-40B4-BE49-F238E27FC236}">
+                <a16:creationId xmlns:a16="http://schemas.microsoft.com/office/drawing/2014/main" id="{4FD0E053-15DF-B603-85DC-6813C612A137}"/>
+              </a:ext>
+            </a:extLst>
+          </p:cNvPr>
+          <p:cNvCxnSpPr>
+            <a:cxnSpLocks/>
+          </p:cNvCxnSpPr>
+          <p:nvPr/>
+        </p:nvCxnSpPr>
+        <p:spPr>
+          <a:xfrm>
+            <a:off x="6849374" y="5632745"/>
+            <a:ext cx="3027930" cy="1741"/>
+          </a:xfrm>
+          <a:prstGeom prst="straightConnector1">
+            <a:avLst/>
+          </a:prstGeom>
+          <a:ln>
+            <a:solidFill>
+              <a:srgbClr val="92D050"/>
+            </a:solidFill>
+            <a:tailEnd type="triangle"/>
+          </a:ln>
+        </p:spPr>
+        <p:style>
+          <a:lnRef idx="1">
+            <a:schemeClr val="accent1"/>
+          </a:lnRef>
+          <a:fillRef idx="0">
+            <a:schemeClr val="accent1"/>
+          </a:fillRef>
+          <a:effectRef idx="0">
+            <a:schemeClr val="accent1"/>
+          </a:effectRef>
+          <a:fontRef idx="minor">
+            <a:schemeClr val="tx1"/>
+          </a:fontRef>
+        </p:style>
+      </p:cxnSp>
+      <p:cxnSp>
+        <p:nvCxnSpPr>
+          <p:cNvPr id="31" name="Connecteur droit 30">
+            <a:extLst>
+              <a:ext uri="{FF2B5EF4-FFF2-40B4-BE49-F238E27FC236}">
+                <a16:creationId xmlns:a16="http://schemas.microsoft.com/office/drawing/2014/main" id="{E5B4D981-5670-CBEB-E2F5-0EADAA7E27DB}"/>
+              </a:ext>
+            </a:extLst>
+          </p:cNvPr>
+          <p:cNvCxnSpPr>
+            <a:cxnSpLocks/>
+          </p:cNvCxnSpPr>
+          <p:nvPr/>
+        </p:nvCxnSpPr>
+        <p:spPr>
+          <a:xfrm flipV="1">
+            <a:off x="5811961" y="4290312"/>
+            <a:ext cx="1323617" cy="1"/>
+          </a:xfrm>
+          <a:prstGeom prst="line">
+            <a:avLst/>
+          </a:prstGeom>
+          <a:ln>
+            <a:solidFill>
+              <a:srgbClr val="92D050"/>
+            </a:solidFill>
+          </a:ln>
+        </p:spPr>
+        <p:style>
+          <a:lnRef idx="1">
+            <a:schemeClr val="accent1"/>
+          </a:lnRef>
+          <a:fillRef idx="0">
+            <a:schemeClr val="accent1"/>
+          </a:fillRef>
+          <a:effectRef idx="0">
+            <a:schemeClr val="accent1"/>
+          </a:effectRef>
+          <a:fontRef idx="minor">
+            <a:schemeClr val="tx1"/>
+          </a:fontRef>
+        </p:style>
+      </p:cxnSp>
+      <p:cxnSp>
+        <p:nvCxnSpPr>
+          <p:cNvPr id="32" name="Connecteur droit 31">
+            <a:extLst>
+              <a:ext uri="{FF2B5EF4-FFF2-40B4-BE49-F238E27FC236}">
+                <a16:creationId xmlns:a16="http://schemas.microsoft.com/office/drawing/2014/main" id="{19285180-BC3D-FFFA-0700-4F3397BDA6B2}"/>
+              </a:ext>
+            </a:extLst>
+          </p:cNvPr>
+          <p:cNvCxnSpPr>
+            <a:cxnSpLocks/>
+          </p:cNvCxnSpPr>
+          <p:nvPr/>
+        </p:nvCxnSpPr>
+        <p:spPr>
+          <a:xfrm>
+            <a:off x="7164371" y="4286140"/>
+            <a:ext cx="0" cy="213812"/>
+          </a:xfrm>
+          <a:prstGeom prst="line">
+            <a:avLst/>
+          </a:prstGeom>
+          <a:ln>
+            <a:solidFill>
+              <a:srgbClr val="92D050"/>
+            </a:solidFill>
+          </a:ln>
+        </p:spPr>
+        <p:style>
+          <a:lnRef idx="1">
+            <a:schemeClr val="accent1"/>
+          </a:lnRef>
+          <a:fillRef idx="0">
+            <a:schemeClr val="accent1"/>
+          </a:fillRef>
+          <a:effectRef idx="0">
+            <a:schemeClr val="accent1"/>
+          </a:effectRef>
+          <a:fontRef idx="minor">
+            <a:schemeClr val="tx1"/>
+          </a:fontRef>
+        </p:style>
+      </p:cxnSp>
+      <p:sp>
+        <p:nvSpPr>
+          <p:cNvPr id="33" name="ZoneTexte 32">
+            <a:extLst>
+              <a:ext uri="{FF2B5EF4-FFF2-40B4-BE49-F238E27FC236}">
+                <a16:creationId xmlns:a16="http://schemas.microsoft.com/office/drawing/2014/main" id="{F82058D4-62D3-CC24-A01D-0829E9A8FC6D}"/>
+              </a:ext>
+            </a:extLst>
+          </p:cNvPr>
+          <p:cNvSpPr txBox="1"/>
+          <p:nvPr/>
+        </p:nvSpPr>
+        <p:spPr>
+          <a:xfrm>
+            <a:off x="10147546" y="2476342"/>
+            <a:ext cx="1362970" cy="369332"/>
+          </a:xfrm>
+          <a:prstGeom prst="rect">
+            <a:avLst/>
+          </a:prstGeom>
+          <a:noFill/>
+        </p:spPr>
+        <p:txBody>
+          <a:bodyPr wrap="square" rtlCol="0">
+            <a:spAutoFit/>
+          </a:bodyPr>
+          <a:lstStyle/>
+          <a:p>
+            <a:r>
+              <a:rPr lang="fr-FR" dirty="0"/>
+              <a:t>matrice</a:t>
+            </a:r>
+          </a:p>
+        </p:txBody>
+      </p:sp>
+      <p:sp>
+        <p:nvSpPr>
+          <p:cNvPr id="34" name="ZoneTexte 33">
+            <a:extLst>
+              <a:ext uri="{FF2B5EF4-FFF2-40B4-BE49-F238E27FC236}">
+                <a16:creationId xmlns:a16="http://schemas.microsoft.com/office/drawing/2014/main" id="{C2058548-10E9-5144-293E-7DCFE21158BF}"/>
+              </a:ext>
+            </a:extLst>
+          </p:cNvPr>
+          <p:cNvSpPr txBox="1"/>
+          <p:nvPr/>
+        </p:nvSpPr>
+        <p:spPr>
+          <a:xfrm>
+            <a:off x="9954883" y="5629396"/>
+            <a:ext cx="1477455" cy="369332"/>
+          </a:xfrm>
+          <a:prstGeom prst="rect">
+            <a:avLst/>
+          </a:prstGeom>
+          <a:noFill/>
+        </p:spPr>
+        <p:txBody>
+          <a:bodyPr wrap="square" rtlCol="0">
+            <a:spAutoFit/>
+          </a:bodyPr>
+          <a:lstStyle/>
+          <a:p>
+            <a:r>
+              <a:rPr lang="fr-FR" dirty="0"/>
+              <a:t>Ecran OLED </a:t>
+            </a:r>
           </a:p>
         </p:txBody>
       </p:sp>
@@ -4135,7 +5488,7 @@
     <p:bg>
       <p:bgPr>
         <a:solidFill>
-          <a:schemeClr val="tx1"/>
+          <a:schemeClr val="bg1"/>
         </a:solidFill>
         <a:effectLst/>
       </p:bgPr>
@@ -4154,12 +5507,132 @@
           <a:chExt cx="0" cy="0"/>
         </a:xfrm>
       </p:grpSpPr>
+      <p:sp useBgFill="1">
+        <p:nvSpPr>
+          <p:cNvPr id="1037" name="Rectangle 1036">
+            <a:extLst>
+              <a:ext uri="{FF2B5EF4-FFF2-40B4-BE49-F238E27FC236}">
+                <a16:creationId xmlns:a16="http://schemas.microsoft.com/office/drawing/2014/main" id="{EB6D1D7F-141C-4D8E-BFBA-D95B68E16385}"/>
+              </a:ext>
+              <a:ext uri="{C183D7F6-B498-43B3-948B-1728B52AA6E4}">
+                <adec:decorative xmlns:adec="http://schemas.microsoft.com/office/drawing/2017/decorative" val="1"/>
+              </a:ext>
+            </a:extLst>
+          </p:cNvPr>
+          <p:cNvSpPr>
+            <a:spLocks noGrp="1" noRot="1" noChangeAspect="1" noMove="1" noResize="1" noEditPoints="1" noAdjustHandles="1" noChangeArrowheads="1" noChangeShapeType="1" noTextEdit="1"/>
+          </p:cNvSpPr>
+          <p:nvPr>
+            <p:extLst>
+              <p:ext uri="{386F3935-93C4-4BCD-93E2-E3B085C9AB24}">
+                <p16:designElem xmlns:p16="http://schemas.microsoft.com/office/powerpoint/2015/main" val="1"/>
+              </p:ext>
+            </p:extLst>
+          </p:nvPr>
+        </p:nvSpPr>
+        <p:spPr>
+          <a:xfrm>
+            <a:off x="1524" y="0"/>
+            <a:ext cx="12188952" cy="6858000"/>
+          </a:xfrm>
+          <a:prstGeom prst="rect">
+            <a:avLst/>
+          </a:prstGeom>
+          <a:ln>
+            <a:noFill/>
+          </a:ln>
+        </p:spPr>
+        <p:style>
+          <a:lnRef idx="2">
+            <a:schemeClr val="accent1">
+              <a:shade val="50000"/>
+            </a:schemeClr>
+          </a:lnRef>
+          <a:fillRef idx="1">
+            <a:schemeClr val="accent1"/>
+          </a:fillRef>
+          <a:effectRef idx="0">
+            <a:schemeClr val="accent1"/>
+          </a:effectRef>
+          <a:fontRef idx="minor">
+            <a:schemeClr val="lt1"/>
+          </a:fontRef>
+        </p:style>
+        <p:txBody>
+          <a:bodyPr rtlCol="0" anchor="ctr"/>
+          <a:lstStyle/>
+          <a:p>
+            <a:pPr algn="ctr"/>
+            <a:endParaRPr lang="en-US"/>
+          </a:p>
+        </p:txBody>
+      </p:sp>
+      <p:sp useBgFill="1">
+        <p:nvSpPr>
+          <p:cNvPr id="1039" name="Rectangle 1038">
+            <a:extLst>
+              <a:ext uri="{FF2B5EF4-FFF2-40B4-BE49-F238E27FC236}">
+                <a16:creationId xmlns:a16="http://schemas.microsoft.com/office/drawing/2014/main" id="{558DA214-7FDA-4C9D-A7CF-9AD725E290E1}"/>
+              </a:ext>
+              <a:ext uri="{C183D7F6-B498-43B3-948B-1728B52AA6E4}">
+                <adec:decorative xmlns:adec="http://schemas.microsoft.com/office/drawing/2017/decorative" val="1"/>
+              </a:ext>
+            </a:extLst>
+          </p:cNvPr>
+          <p:cNvSpPr>
+            <a:spLocks noGrp="1" noRot="1" noChangeAspect="1" noMove="1" noResize="1" noEditPoints="1" noAdjustHandles="1" noChangeArrowheads="1" noChangeShapeType="1" noTextEdit="1"/>
+          </p:cNvSpPr>
+          <p:nvPr>
+            <p:extLst>
+              <p:ext uri="{386F3935-93C4-4BCD-93E2-E3B085C9AB24}">
+                <p16:designElem xmlns:p16="http://schemas.microsoft.com/office/powerpoint/2015/main" val="1"/>
+              </p:ext>
+            </p:extLst>
+          </p:nvPr>
+        </p:nvSpPr>
+        <p:spPr>
+          <a:xfrm>
+            <a:off x="0" y="0"/>
+            <a:ext cx="6094474" cy="6858000"/>
+          </a:xfrm>
+          <a:prstGeom prst="rect">
+            <a:avLst/>
+          </a:prstGeom>
+          <a:ln>
+            <a:noFill/>
+          </a:ln>
+        </p:spPr>
+        <p:style>
+          <a:lnRef idx="2">
+            <a:schemeClr val="accent1">
+              <a:shade val="50000"/>
+            </a:schemeClr>
+          </a:lnRef>
+          <a:fillRef idx="1">
+            <a:schemeClr val="accent1"/>
+          </a:fillRef>
+          <a:effectRef idx="0">
+            <a:schemeClr val="accent1"/>
+          </a:effectRef>
+          <a:fontRef idx="minor">
+            <a:schemeClr val="lt1"/>
+          </a:fontRef>
+        </p:style>
+        <p:txBody>
+          <a:bodyPr rtlCol="0" anchor="ctr"/>
+          <a:lstStyle/>
+          <a:p>
+            <a:pPr algn="ctr"/>
+            <a:endParaRPr lang="en-US"/>
+          </a:p>
+        </p:txBody>
+      </p:sp>
       <p:sp>
         <p:nvSpPr>
           <p:cNvPr id="2" name="Titre 1">
             <a:extLst>
               <a:ext uri="{FF2B5EF4-FFF2-40B4-BE49-F238E27FC236}">
-                <a16:creationId xmlns:a16="http://schemas.microsoft.com/office/drawing/2014/main" id="{B3375A5E-41AD-3D72-1401-DB494961A01C}"/>
+                <a16:creationId xmlns:a16="http://schemas.microsoft.com/office/drawing/2014/main" id="{BFD332B5-8496-881F-1160-536AA61B36EC}"/>
               </a:ext>
             </a:extLst>
           </p:cNvPr>
@@ -4170,16 +5643,25 @@
             <p:ph type="title"/>
           </p:nvPr>
         </p:nvSpPr>
-        <p:spPr/>
+        <p:spPr>
+          <a:xfrm>
+            <a:off x="960438" y="317499"/>
+            <a:ext cx="4500737" cy="2095501"/>
+          </a:xfrm>
+        </p:spPr>
         <p:txBody>
           <a:bodyPr>
-            <a:normAutofit fontScale="90000"/>
+            <a:normAutofit/>
           </a:bodyPr>
           <a:lstStyle/>
           <a:p>
             <a:r>
-              <a:rPr lang="fr-FR" dirty="0"/>
-              <a:t>Etat d’avancement, ce qu’il nous reste à faire </a:t>
+              <a:rPr lang="fr-FR" sz="5100">
+                <a:solidFill>
+                  <a:schemeClr val="tx1"/>
+                </a:solidFill>
+              </a:rPr>
+              <a:t>Etat d’avancement</a:t>
             </a:r>
           </a:p>
         </p:txBody>
@@ -4189,7 +5671,7 @@
           <p:cNvPr id="3" name="Espace réservé du contenu 2">
             <a:extLst>
               <a:ext uri="{FF2B5EF4-FFF2-40B4-BE49-F238E27FC236}">
-                <a16:creationId xmlns:a16="http://schemas.microsoft.com/office/drawing/2014/main" id="{7D8AA256-C3C2-DB47-B2DF-EF7609366265}"/>
+                <a16:creationId xmlns:a16="http://schemas.microsoft.com/office/drawing/2014/main" id="{198EBB63-E98A-D2CA-83D9-AE245D2AC607}"/>
               </a:ext>
             </a:extLst>
           </p:cNvPr>
@@ -4200,15 +5682,119 @@
             <p:ph idx="1"/>
           </p:nvPr>
         </p:nvSpPr>
-        <p:spPr/>
-        <p:txBody>
-          <a:bodyPr/>
-          <a:lstStyle/>
-          <a:p>
-            <a:endParaRPr lang="fr-FR" dirty="0"/>
-          </a:p>
-        </p:txBody>
-      </p:sp>
+        <p:spPr>
+          <a:xfrm>
+            <a:off x="960438" y="2587625"/>
+            <a:ext cx="4500737" cy="3594100"/>
+          </a:xfrm>
+        </p:spPr>
+        <p:txBody>
+          <a:bodyPr anchor="t">
+            <a:normAutofit/>
+          </a:bodyPr>
+          <a:lstStyle/>
+          <a:p>
+            <a:pPr marL="457200" indent="-457200">
+              <a:lnSpc>
+                <a:spcPct val="91000"/>
+              </a:lnSpc>
+              <a:buFont typeface="Wingdings" panose="05000000000000000000" pitchFamily="2" charset="2"/>
+              <a:buChar char="Ø"/>
+            </a:pPr>
+            <a:r>
+              <a:rPr lang="fr-FR" sz="2000"/>
+              <a:t>Ce projet pour la mi-soutenance nous a permis de bien comprendre l’architecture </a:t>
+            </a:r>
+          </a:p>
+          <a:p>
+            <a:pPr marL="457200" indent="-457200">
+              <a:lnSpc>
+                <a:spcPct val="91000"/>
+              </a:lnSpc>
+              <a:buFont typeface="Wingdings" panose="05000000000000000000" pitchFamily="2" charset="2"/>
+              <a:buChar char="Ø"/>
+            </a:pPr>
+            <a:r>
+              <a:rPr lang="fr-FR" sz="2000"/>
+              <a:t>Nous avons bien pris le temps de regarder et de comprendre chacun des composants </a:t>
+            </a:r>
+          </a:p>
+          <a:p>
+            <a:pPr marL="457200" indent="-457200">
+              <a:lnSpc>
+                <a:spcPct val="91000"/>
+              </a:lnSpc>
+              <a:buFont typeface="Wingdings" panose="05000000000000000000" pitchFamily="2" charset="2"/>
+              <a:buChar char="Ø"/>
+            </a:pPr>
+            <a:r>
+              <a:rPr lang="fr-FR" sz="2000"/>
+              <a:t>Nous allons pouvoir commencer le projet sur la </a:t>
+            </a:r>
+            <a:r>
+              <a:rPr lang="fr-FR" sz="2000" err="1"/>
+              <a:t>bread</a:t>
+            </a:r>
+            <a:r>
+              <a:rPr lang="fr-FR" sz="2000"/>
+              <a:t> </a:t>
+            </a:r>
+            <a:r>
+              <a:rPr lang="fr-FR" sz="2000" err="1"/>
+              <a:t>board</a:t>
+            </a:r>
+            <a:r>
+              <a:rPr lang="fr-FR" sz="2000"/>
+              <a:t> dans de bonnes conditions </a:t>
+            </a:r>
+          </a:p>
+        </p:txBody>
+      </p:sp>
+      <p:pic>
+        <p:nvPicPr>
+          <p:cNvPr id="1032" name="Picture 8" descr="Militaires : avancement, congé de longue durée pour maladie et  discrimination - MDMH Avocats">
+            <a:extLst>
+              <a:ext uri="{FF2B5EF4-FFF2-40B4-BE49-F238E27FC236}">
+                <a16:creationId xmlns:a16="http://schemas.microsoft.com/office/drawing/2014/main" id="{D9D402B0-1D86-BA05-AD0A-DCCA959771C3}"/>
+              </a:ext>
+            </a:extLst>
+          </p:cNvPr>
+          <p:cNvPicPr>
+            <a:picLocks noChangeAspect="1" noChangeArrowheads="1"/>
+          </p:cNvPicPr>
+          <p:nvPr/>
+        </p:nvPicPr>
+        <p:blipFill rotWithShape="1">
+          <a:blip r:embed="rId2">
+            <a:extLst>
+              <a:ext uri="{28A0092B-C50C-407E-A947-70E740481C1C}">
+                <a14:useLocalDpi xmlns:a14="http://schemas.microsoft.com/office/drawing/2010/main" val="0"/>
+              </a:ext>
+            </a:extLst>
+          </a:blip>
+          <a:srcRect l="11089"/>
+          <a:stretch/>
+        </p:blipFill>
+        <p:spPr bwMode="auto">
+          <a:xfrm>
+            <a:off x="6094474" y="10"/>
+            <a:ext cx="6097526" cy="6857990"/>
+          </a:xfrm>
+          <a:prstGeom prst="rect">
+            <a:avLst/>
+          </a:prstGeom>
+          <a:noFill/>
+          <a:extLst>
+            <a:ext uri="{909E8E84-426E-40DD-AFC4-6F175D3DCCD1}">
+              <a14:hiddenFill xmlns:a14="http://schemas.microsoft.com/office/drawing/2010/main">
+                <a:solidFill>
+                  <a:srgbClr val="FFFFFF"/>
+                </a:solidFill>
+              </a14:hiddenFill>
+            </a:ext>
+          </a:extLst>
+        </p:spPr>
+      </p:pic>
     </p:spTree>
     <p:extLst>
       <p:ext uri="{BB962C8B-B14F-4D97-AF65-F5344CB8AC3E}">
@@ -4217,7 +5803,7 @@
     </p:extLst>
   </p:cSld>
   <p:clrMapOvr>
-    <a:masterClrMapping/>
+    <a:overrideClrMapping bg1="dk1" tx1="lt1" bg2="dk2" tx2="lt2" accent1="accent1" accent2="accent2" accent3="accent3" accent4="accent4" accent5="accent5" accent6="accent6" hlink="hlink" folHlink="folHlink"/>
   </p:clrMapOvr>
 </p:sld>
 </file>
@@ -5052,12 +6638,1058 @@
             <p:ph idx="1"/>
           </p:nvPr>
         </p:nvSpPr>
-        <p:spPr/>
+        <p:spPr>
+          <a:xfrm flipH="1">
+            <a:off x="11228832" y="5589916"/>
+            <a:ext cx="287432" cy="591427"/>
+          </a:xfrm>
+        </p:spPr>
         <p:txBody>
           <a:bodyPr/>
           <a:lstStyle/>
           <a:p>
+            <a:endParaRPr lang="fr-FR" dirty="0"/>
+          </a:p>
+        </p:txBody>
+      </p:sp>
+      <p:sp>
+        <p:nvSpPr>
+          <p:cNvPr id="4" name="Rectangle 3">
+            <a:extLst>
+              <a:ext uri="{FF2B5EF4-FFF2-40B4-BE49-F238E27FC236}">
+                <a16:creationId xmlns:a16="http://schemas.microsoft.com/office/drawing/2014/main" id="{A7A77A36-7882-498A-E43D-B582D11FEEBE}"/>
+              </a:ext>
+            </a:extLst>
+          </p:cNvPr>
+          <p:cNvSpPr/>
+          <p:nvPr/>
+        </p:nvSpPr>
+        <p:spPr>
+          <a:xfrm>
+            <a:off x="1895473" y="1907435"/>
+            <a:ext cx="1762125" cy="991302"/>
+          </a:xfrm>
+          <a:prstGeom prst="rect">
+            <a:avLst/>
+          </a:prstGeom>
+          <a:solidFill>
+            <a:srgbClr val="92D050">
+              <a:alpha val="50000"/>
+            </a:srgbClr>
+          </a:solidFill>
+        </p:spPr>
+        <p:style>
+          <a:lnRef idx="2">
+            <a:schemeClr val="accent1">
+              <a:shade val="15000"/>
+            </a:schemeClr>
+          </a:lnRef>
+          <a:fillRef idx="1">
+            <a:schemeClr val="accent1"/>
+          </a:fillRef>
+          <a:effectRef idx="0">
+            <a:schemeClr val="accent1"/>
+          </a:effectRef>
+          <a:fontRef idx="minor">
+            <a:schemeClr val="lt1"/>
+          </a:fontRef>
+        </p:style>
+        <p:txBody>
+          <a:bodyPr rtlCol="0" anchor="ctr"/>
+          <a:lstStyle/>
+          <a:p>
+            <a:pPr algn="ctr"/>
+            <a:endParaRPr lang="fr-FR" dirty="0"/>
+          </a:p>
+        </p:txBody>
+      </p:sp>
+      <p:sp>
+        <p:nvSpPr>
+          <p:cNvPr id="5" name="Rectangle 4">
+            <a:extLst>
+              <a:ext uri="{FF2B5EF4-FFF2-40B4-BE49-F238E27FC236}">
+                <a16:creationId xmlns:a16="http://schemas.microsoft.com/office/drawing/2014/main" id="{B2B67D4F-F9B1-6F04-04A6-7F5885A450FD}"/>
+              </a:ext>
+            </a:extLst>
+          </p:cNvPr>
+          <p:cNvSpPr/>
+          <p:nvPr/>
+        </p:nvSpPr>
+        <p:spPr>
+          <a:xfrm>
+            <a:off x="1895472" y="4189383"/>
+            <a:ext cx="1762125" cy="991302"/>
+          </a:xfrm>
+          <a:prstGeom prst="rect">
+            <a:avLst/>
+          </a:prstGeom>
+          <a:solidFill>
+            <a:srgbClr val="92D050">
+              <a:alpha val="50000"/>
+            </a:srgbClr>
+          </a:solidFill>
+        </p:spPr>
+        <p:style>
+          <a:lnRef idx="2">
+            <a:schemeClr val="accent1">
+              <a:shade val="15000"/>
+            </a:schemeClr>
+          </a:lnRef>
+          <a:fillRef idx="1">
+            <a:schemeClr val="accent1"/>
+          </a:fillRef>
+          <a:effectRef idx="0">
+            <a:schemeClr val="accent1"/>
+          </a:effectRef>
+          <a:fontRef idx="minor">
+            <a:schemeClr val="lt1"/>
+          </a:fontRef>
+        </p:style>
+        <p:txBody>
+          <a:bodyPr rtlCol="0" anchor="ctr"/>
+          <a:lstStyle/>
+          <a:p>
+            <a:pPr algn="ctr"/>
+            <a:endParaRPr lang="fr-FR" dirty="0"/>
+          </a:p>
+        </p:txBody>
+      </p:sp>
+      <p:sp>
+        <p:nvSpPr>
+          <p:cNvPr id="6" name="Rectangle 5">
+            <a:extLst>
+              <a:ext uri="{FF2B5EF4-FFF2-40B4-BE49-F238E27FC236}">
+                <a16:creationId xmlns:a16="http://schemas.microsoft.com/office/drawing/2014/main" id="{D79CB2A3-06F2-AD01-EE3A-E2F5B4158022}"/>
+              </a:ext>
+            </a:extLst>
+          </p:cNvPr>
+          <p:cNvSpPr/>
+          <p:nvPr/>
+        </p:nvSpPr>
+        <p:spPr>
+          <a:xfrm>
+            <a:off x="5213413" y="3194394"/>
+            <a:ext cx="2244662" cy="991302"/>
+          </a:xfrm>
+          <a:prstGeom prst="rect">
+            <a:avLst/>
+          </a:prstGeom>
+          <a:solidFill>
+            <a:srgbClr val="92D050">
+              <a:alpha val="50000"/>
+            </a:srgbClr>
+          </a:solidFill>
+        </p:spPr>
+        <p:style>
+          <a:lnRef idx="2">
+            <a:schemeClr val="accent1">
+              <a:shade val="15000"/>
+            </a:schemeClr>
+          </a:lnRef>
+          <a:fillRef idx="1">
+            <a:schemeClr val="accent1"/>
+          </a:fillRef>
+          <a:effectRef idx="0">
+            <a:schemeClr val="accent1"/>
+          </a:effectRef>
+          <a:fontRef idx="minor">
+            <a:schemeClr val="lt1"/>
+          </a:fontRef>
+        </p:style>
+        <p:txBody>
+          <a:bodyPr rtlCol="0" anchor="ctr"/>
+          <a:lstStyle/>
+          <a:p>
+            <a:pPr algn="ctr"/>
             <a:endParaRPr lang="fr-FR"/>
+          </a:p>
+        </p:txBody>
+      </p:sp>
+      <p:sp>
+        <p:nvSpPr>
+          <p:cNvPr id="7" name="Rectangle 6">
+            <a:extLst>
+              <a:ext uri="{FF2B5EF4-FFF2-40B4-BE49-F238E27FC236}">
+                <a16:creationId xmlns:a16="http://schemas.microsoft.com/office/drawing/2014/main" id="{FD26E379-DC8B-25B2-908F-E1105A8929C0}"/>
+              </a:ext>
+            </a:extLst>
+          </p:cNvPr>
+          <p:cNvSpPr/>
+          <p:nvPr/>
+        </p:nvSpPr>
+        <p:spPr>
+          <a:xfrm>
+            <a:off x="8364388" y="3194394"/>
+            <a:ext cx="1599816" cy="991302"/>
+          </a:xfrm>
+          <a:prstGeom prst="rect">
+            <a:avLst/>
+          </a:prstGeom>
+          <a:solidFill>
+            <a:srgbClr val="92D050">
+              <a:alpha val="50000"/>
+            </a:srgbClr>
+          </a:solidFill>
+        </p:spPr>
+        <p:style>
+          <a:lnRef idx="2">
+            <a:schemeClr val="accent1">
+              <a:shade val="15000"/>
+            </a:schemeClr>
+          </a:lnRef>
+          <a:fillRef idx="1">
+            <a:schemeClr val="accent1"/>
+          </a:fillRef>
+          <a:effectRef idx="0">
+            <a:schemeClr val="accent1"/>
+          </a:effectRef>
+          <a:fontRef idx="minor">
+            <a:schemeClr val="lt1"/>
+          </a:fontRef>
+        </p:style>
+        <p:txBody>
+          <a:bodyPr rtlCol="0" anchor="ctr"/>
+          <a:lstStyle/>
+          <a:p>
+            <a:pPr algn="ctr"/>
+            <a:endParaRPr lang="fr-FR"/>
+          </a:p>
+        </p:txBody>
+      </p:sp>
+      <p:sp>
+        <p:nvSpPr>
+          <p:cNvPr id="8" name="ZoneTexte 7">
+            <a:extLst>
+              <a:ext uri="{FF2B5EF4-FFF2-40B4-BE49-F238E27FC236}">
+                <a16:creationId xmlns:a16="http://schemas.microsoft.com/office/drawing/2014/main" id="{594D6287-5E81-6942-2224-79FD44562AEA}"/>
+              </a:ext>
+            </a:extLst>
+          </p:cNvPr>
+          <p:cNvSpPr txBox="1"/>
+          <p:nvPr/>
+        </p:nvSpPr>
+        <p:spPr>
+          <a:xfrm>
+            <a:off x="5219794" y="3505379"/>
+            <a:ext cx="2330387" cy="646331"/>
+          </a:xfrm>
+          <a:prstGeom prst="rect">
+            <a:avLst/>
+          </a:prstGeom>
+          <a:noFill/>
+        </p:spPr>
+        <p:txBody>
+          <a:bodyPr wrap="square" rtlCol="0">
+            <a:spAutoFit/>
+          </a:bodyPr>
+          <a:lstStyle/>
+          <a:p>
+            <a:r>
+              <a:rPr lang="fr-FR" dirty="0"/>
+              <a:t>Porte </a:t>
+            </a:r>
+            <a:r>
+              <a:rPr lang="fr-FR" dirty="0" err="1"/>
+              <a:t>xnor</a:t>
+            </a:r>
+            <a:r>
+              <a:rPr lang="fr-FR" dirty="0"/>
+              <a:t> et porte and</a:t>
+            </a:r>
+          </a:p>
+        </p:txBody>
+      </p:sp>
+      <p:sp>
+        <p:nvSpPr>
+          <p:cNvPr id="9" name="ZoneTexte 8">
+            <a:extLst>
+              <a:ext uri="{FF2B5EF4-FFF2-40B4-BE49-F238E27FC236}">
+                <a16:creationId xmlns:a16="http://schemas.microsoft.com/office/drawing/2014/main" id="{9B3F2549-BD4C-8A64-FDAF-D81A95A8D37A}"/>
+              </a:ext>
+            </a:extLst>
+          </p:cNvPr>
+          <p:cNvSpPr txBox="1"/>
+          <p:nvPr/>
+        </p:nvSpPr>
+        <p:spPr>
+          <a:xfrm>
+            <a:off x="2115160" y="4493726"/>
+            <a:ext cx="1762125" cy="369332"/>
+          </a:xfrm>
+          <a:prstGeom prst="rect">
+            <a:avLst/>
+          </a:prstGeom>
+          <a:noFill/>
+        </p:spPr>
+        <p:txBody>
+          <a:bodyPr wrap="square" rtlCol="0">
+            <a:spAutoFit/>
+          </a:bodyPr>
+          <a:lstStyle/>
+          <a:p>
+            <a:r>
+              <a:rPr lang="fr-FR" dirty="0"/>
+              <a:t>Bascule </a:t>
+            </a:r>
+            <a:r>
+              <a:rPr lang="fr-FR" dirty="0" err="1"/>
+              <a:t>jk</a:t>
+            </a:r>
+            <a:endParaRPr lang="fr-FR" dirty="0"/>
+          </a:p>
+        </p:txBody>
+      </p:sp>
+      <p:sp>
+        <p:nvSpPr>
+          <p:cNvPr id="10" name="ZoneTexte 9">
+            <a:extLst>
+              <a:ext uri="{FF2B5EF4-FFF2-40B4-BE49-F238E27FC236}">
+                <a16:creationId xmlns:a16="http://schemas.microsoft.com/office/drawing/2014/main" id="{1C537381-4ABB-E01B-DF6D-CC4555CC2C02}"/>
+              </a:ext>
+            </a:extLst>
+          </p:cNvPr>
+          <p:cNvSpPr txBox="1"/>
+          <p:nvPr/>
+        </p:nvSpPr>
+        <p:spPr>
+          <a:xfrm>
+            <a:off x="2029988" y="1975407"/>
+            <a:ext cx="1762125" cy="923330"/>
+          </a:xfrm>
+          <a:prstGeom prst="rect">
+            <a:avLst/>
+          </a:prstGeom>
+          <a:noFill/>
+        </p:spPr>
+        <p:txBody>
+          <a:bodyPr wrap="square" rtlCol="0">
+            <a:spAutoFit/>
+          </a:bodyPr>
+          <a:lstStyle/>
+          <a:p>
+            <a:r>
+              <a:rPr lang="fr-FR" dirty="0"/>
+              <a:t>Bascule </a:t>
+            </a:r>
+            <a:r>
+              <a:rPr lang="fr-FR" dirty="0" err="1"/>
+              <a:t>jk</a:t>
+            </a:r>
+            <a:r>
+              <a:rPr lang="fr-FR" dirty="0"/>
+              <a:t> mode </a:t>
+            </a:r>
+            <a:r>
+              <a:rPr lang="fr-FR" dirty="0" err="1"/>
+              <a:t>toggle</a:t>
+            </a:r>
+            <a:r>
+              <a:rPr lang="fr-FR" dirty="0"/>
+              <a:t> (compteur)</a:t>
+            </a:r>
+          </a:p>
+        </p:txBody>
+      </p:sp>
+      <p:sp>
+        <p:nvSpPr>
+          <p:cNvPr id="11" name="ZoneTexte 10">
+            <a:extLst>
+              <a:ext uri="{FF2B5EF4-FFF2-40B4-BE49-F238E27FC236}">
+                <a16:creationId xmlns:a16="http://schemas.microsoft.com/office/drawing/2014/main" id="{CE0A3743-C8B2-3E31-BE4B-4BF39C22BD0B}"/>
+              </a:ext>
+            </a:extLst>
+          </p:cNvPr>
+          <p:cNvSpPr txBox="1"/>
+          <p:nvPr/>
+        </p:nvSpPr>
+        <p:spPr>
+          <a:xfrm>
+            <a:off x="8428178" y="3366879"/>
+            <a:ext cx="2152651" cy="646331"/>
+          </a:xfrm>
+          <a:prstGeom prst="rect">
+            <a:avLst/>
+          </a:prstGeom>
+          <a:noFill/>
+        </p:spPr>
+        <p:txBody>
+          <a:bodyPr wrap="square" rtlCol="0">
+            <a:spAutoFit/>
+          </a:bodyPr>
+          <a:lstStyle/>
+          <a:p>
+            <a:r>
+              <a:rPr lang="fr-FR" dirty="0"/>
+              <a:t>Bascule </a:t>
+            </a:r>
+            <a:r>
+              <a:rPr lang="fr-FR" dirty="0" err="1"/>
+              <a:t>jk</a:t>
+            </a:r>
+            <a:r>
+              <a:rPr lang="fr-FR" dirty="0"/>
+              <a:t> (Décompteur)</a:t>
+            </a:r>
+          </a:p>
+        </p:txBody>
+      </p:sp>
+      <p:cxnSp>
+        <p:nvCxnSpPr>
+          <p:cNvPr id="12" name="Connecteur droit 11">
+            <a:extLst>
+              <a:ext uri="{FF2B5EF4-FFF2-40B4-BE49-F238E27FC236}">
+                <a16:creationId xmlns:a16="http://schemas.microsoft.com/office/drawing/2014/main" id="{7AEB7AF7-0980-A6C5-B05A-43BDB9D97DD6}"/>
+              </a:ext>
+            </a:extLst>
+          </p:cNvPr>
+          <p:cNvCxnSpPr>
+            <a:cxnSpLocks/>
+          </p:cNvCxnSpPr>
+          <p:nvPr/>
+        </p:nvCxnSpPr>
+        <p:spPr>
+          <a:xfrm flipV="1">
+            <a:off x="3588589" y="2403086"/>
+            <a:ext cx="1291449" cy="3051"/>
+          </a:xfrm>
+          <a:prstGeom prst="line">
+            <a:avLst/>
+          </a:prstGeom>
+          <a:ln>
+            <a:solidFill>
+              <a:srgbClr val="92D050"/>
+            </a:solidFill>
+          </a:ln>
+        </p:spPr>
+        <p:style>
+          <a:lnRef idx="1">
+            <a:schemeClr val="accent1"/>
+          </a:lnRef>
+          <a:fillRef idx="0">
+            <a:schemeClr val="accent1"/>
+          </a:fillRef>
+          <a:effectRef idx="0">
+            <a:schemeClr val="accent1"/>
+          </a:effectRef>
+          <a:fontRef idx="minor">
+            <a:schemeClr val="tx1"/>
+          </a:fontRef>
+        </p:style>
+      </p:cxnSp>
+      <p:cxnSp>
+        <p:nvCxnSpPr>
+          <p:cNvPr id="13" name="Connecteur droit 12">
+            <a:extLst>
+              <a:ext uri="{FF2B5EF4-FFF2-40B4-BE49-F238E27FC236}">
+                <a16:creationId xmlns:a16="http://schemas.microsoft.com/office/drawing/2014/main" id="{EC69F9CF-7142-1BD3-81C3-CD02B9187EED}"/>
+              </a:ext>
+            </a:extLst>
+          </p:cNvPr>
+          <p:cNvCxnSpPr>
+            <a:cxnSpLocks/>
+          </p:cNvCxnSpPr>
+          <p:nvPr/>
+        </p:nvCxnSpPr>
+        <p:spPr>
+          <a:xfrm flipH="1" flipV="1">
+            <a:off x="4880038" y="2403086"/>
+            <a:ext cx="6381" cy="1286959"/>
+          </a:xfrm>
+          <a:prstGeom prst="line">
+            <a:avLst/>
+          </a:prstGeom>
+          <a:ln>
+            <a:solidFill>
+              <a:srgbClr val="92D050"/>
+            </a:solidFill>
+          </a:ln>
+        </p:spPr>
+        <p:style>
+          <a:lnRef idx="1">
+            <a:schemeClr val="accent1"/>
+          </a:lnRef>
+          <a:fillRef idx="0">
+            <a:schemeClr val="accent1"/>
+          </a:fillRef>
+          <a:effectRef idx="0">
+            <a:schemeClr val="accent1"/>
+          </a:effectRef>
+          <a:fontRef idx="minor">
+            <a:schemeClr val="tx1"/>
+          </a:fontRef>
+        </p:style>
+      </p:cxnSp>
+      <p:cxnSp>
+        <p:nvCxnSpPr>
+          <p:cNvPr id="14" name="Connecteur droit 13">
+            <a:extLst>
+              <a:ext uri="{FF2B5EF4-FFF2-40B4-BE49-F238E27FC236}">
+                <a16:creationId xmlns:a16="http://schemas.microsoft.com/office/drawing/2014/main" id="{5CEF0514-AA3D-1DAD-5DB5-4C206FAF0B5B}"/>
+              </a:ext>
+            </a:extLst>
+          </p:cNvPr>
+          <p:cNvCxnSpPr>
+            <a:cxnSpLocks/>
+          </p:cNvCxnSpPr>
+          <p:nvPr/>
+        </p:nvCxnSpPr>
+        <p:spPr>
+          <a:xfrm flipV="1">
+            <a:off x="4880038" y="3914775"/>
+            <a:ext cx="0" cy="766572"/>
+          </a:xfrm>
+          <a:prstGeom prst="line">
+            <a:avLst/>
+          </a:prstGeom>
+          <a:ln>
+            <a:solidFill>
+              <a:srgbClr val="92D050"/>
+            </a:solidFill>
+          </a:ln>
+        </p:spPr>
+        <p:style>
+          <a:lnRef idx="1">
+            <a:schemeClr val="accent1"/>
+          </a:lnRef>
+          <a:fillRef idx="0">
+            <a:schemeClr val="accent1"/>
+          </a:fillRef>
+          <a:effectRef idx="0">
+            <a:schemeClr val="accent1"/>
+          </a:effectRef>
+          <a:fontRef idx="minor">
+            <a:schemeClr val="tx1"/>
+          </a:fontRef>
+        </p:style>
+      </p:cxnSp>
+      <p:cxnSp>
+        <p:nvCxnSpPr>
+          <p:cNvPr id="15" name="Connecteur droit 14">
+            <a:extLst>
+              <a:ext uri="{FF2B5EF4-FFF2-40B4-BE49-F238E27FC236}">
+                <a16:creationId xmlns:a16="http://schemas.microsoft.com/office/drawing/2014/main" id="{0A9097C0-C701-F2FC-FAEB-18CF2F21EE68}"/>
+              </a:ext>
+            </a:extLst>
+          </p:cNvPr>
+          <p:cNvCxnSpPr>
+            <a:cxnSpLocks/>
+          </p:cNvCxnSpPr>
+          <p:nvPr/>
+        </p:nvCxnSpPr>
+        <p:spPr>
+          <a:xfrm>
+            <a:off x="3657598" y="4684133"/>
+            <a:ext cx="1222440" cy="0"/>
+          </a:xfrm>
+          <a:prstGeom prst="line">
+            <a:avLst/>
+          </a:prstGeom>
+          <a:ln>
+            <a:solidFill>
+              <a:srgbClr val="92D050"/>
+            </a:solidFill>
+          </a:ln>
+        </p:spPr>
+        <p:style>
+          <a:lnRef idx="1">
+            <a:schemeClr val="accent1"/>
+          </a:lnRef>
+          <a:fillRef idx="0">
+            <a:schemeClr val="accent1"/>
+          </a:fillRef>
+          <a:effectRef idx="0">
+            <a:schemeClr val="accent1"/>
+          </a:effectRef>
+          <a:fontRef idx="minor">
+            <a:schemeClr val="tx1"/>
+          </a:fontRef>
+        </p:style>
+      </p:cxnSp>
+      <p:cxnSp>
+        <p:nvCxnSpPr>
+          <p:cNvPr id="16" name="Connecteur droit avec flèche 15">
+            <a:extLst>
+              <a:ext uri="{FF2B5EF4-FFF2-40B4-BE49-F238E27FC236}">
+                <a16:creationId xmlns:a16="http://schemas.microsoft.com/office/drawing/2014/main" id="{424D9AF1-4E09-35C3-9A6F-B4B3C0F354E3}"/>
+              </a:ext>
+            </a:extLst>
+          </p:cNvPr>
+          <p:cNvCxnSpPr>
+            <a:cxnSpLocks/>
+            <a:endCxn id="6" idx="1"/>
+          </p:cNvCxnSpPr>
+          <p:nvPr/>
+        </p:nvCxnSpPr>
+        <p:spPr>
+          <a:xfrm>
+            <a:off x="4886419" y="3690045"/>
+            <a:ext cx="326994" cy="0"/>
+          </a:xfrm>
+          <a:prstGeom prst="straightConnector1">
+            <a:avLst/>
+          </a:prstGeom>
+          <a:ln>
+            <a:solidFill>
+              <a:srgbClr val="92D050"/>
+            </a:solidFill>
+            <a:tailEnd type="triangle"/>
+          </a:ln>
+        </p:spPr>
+        <p:style>
+          <a:lnRef idx="1">
+            <a:schemeClr val="accent1"/>
+          </a:lnRef>
+          <a:fillRef idx="0">
+            <a:schemeClr val="accent1"/>
+          </a:fillRef>
+          <a:effectRef idx="0">
+            <a:schemeClr val="accent1"/>
+          </a:effectRef>
+          <a:fontRef idx="minor">
+            <a:schemeClr val="tx1"/>
+          </a:fontRef>
+        </p:style>
+      </p:cxnSp>
+      <p:cxnSp>
+        <p:nvCxnSpPr>
+          <p:cNvPr id="17" name="Connecteur droit avec flèche 16">
+            <a:extLst>
+              <a:ext uri="{FF2B5EF4-FFF2-40B4-BE49-F238E27FC236}">
+                <a16:creationId xmlns:a16="http://schemas.microsoft.com/office/drawing/2014/main" id="{91827000-E31B-CEC8-5EB7-929954DF26D0}"/>
+              </a:ext>
+            </a:extLst>
+          </p:cNvPr>
+          <p:cNvCxnSpPr>
+            <a:cxnSpLocks/>
+          </p:cNvCxnSpPr>
+          <p:nvPr/>
+        </p:nvCxnSpPr>
+        <p:spPr>
+          <a:xfrm>
+            <a:off x="4880038" y="3927991"/>
+            <a:ext cx="333375" cy="0"/>
+          </a:xfrm>
+          <a:prstGeom prst="straightConnector1">
+            <a:avLst/>
+          </a:prstGeom>
+          <a:ln>
+            <a:solidFill>
+              <a:srgbClr val="92D050"/>
+            </a:solidFill>
+            <a:tailEnd type="triangle"/>
+          </a:ln>
+        </p:spPr>
+        <p:style>
+          <a:lnRef idx="1">
+            <a:schemeClr val="accent1"/>
+          </a:lnRef>
+          <a:fillRef idx="0">
+            <a:schemeClr val="accent1"/>
+          </a:fillRef>
+          <a:effectRef idx="0">
+            <a:schemeClr val="accent1"/>
+          </a:effectRef>
+          <a:fontRef idx="minor">
+            <a:schemeClr val="tx1"/>
+          </a:fontRef>
+        </p:style>
+      </p:cxnSp>
+      <p:cxnSp>
+        <p:nvCxnSpPr>
+          <p:cNvPr id="18" name="Connecteur droit avec flèche 17">
+            <a:extLst>
+              <a:ext uri="{FF2B5EF4-FFF2-40B4-BE49-F238E27FC236}">
+                <a16:creationId xmlns:a16="http://schemas.microsoft.com/office/drawing/2014/main" id="{7864E5D8-9459-D6AE-8BAD-02C6431065DC}"/>
+              </a:ext>
+            </a:extLst>
+          </p:cNvPr>
+          <p:cNvCxnSpPr>
+            <a:cxnSpLocks/>
+          </p:cNvCxnSpPr>
+          <p:nvPr/>
+        </p:nvCxnSpPr>
+        <p:spPr>
+          <a:xfrm>
+            <a:off x="7458075" y="3690045"/>
+            <a:ext cx="883668" cy="0"/>
+          </a:xfrm>
+          <a:prstGeom prst="straightConnector1">
+            <a:avLst/>
+          </a:prstGeom>
+          <a:ln>
+            <a:solidFill>
+              <a:srgbClr val="92D050"/>
+            </a:solidFill>
+            <a:tailEnd type="triangle"/>
+          </a:ln>
+        </p:spPr>
+        <p:style>
+          <a:lnRef idx="1">
+            <a:schemeClr val="accent1"/>
+          </a:lnRef>
+          <a:fillRef idx="0">
+            <a:schemeClr val="accent1"/>
+          </a:fillRef>
+          <a:effectRef idx="0">
+            <a:schemeClr val="accent1"/>
+          </a:effectRef>
+          <a:fontRef idx="minor">
+            <a:schemeClr val="tx1"/>
+          </a:fontRef>
+        </p:style>
+      </p:cxnSp>
+      <p:cxnSp>
+        <p:nvCxnSpPr>
+          <p:cNvPr id="19" name="Connecteur droit avec flèche 18">
+            <a:extLst>
+              <a:ext uri="{FF2B5EF4-FFF2-40B4-BE49-F238E27FC236}">
+                <a16:creationId xmlns:a16="http://schemas.microsoft.com/office/drawing/2014/main" id="{D4647FEA-F576-D1BB-44D8-6EBDF73B503B}"/>
+              </a:ext>
+            </a:extLst>
+          </p:cNvPr>
+          <p:cNvCxnSpPr>
+            <a:cxnSpLocks/>
+          </p:cNvCxnSpPr>
+          <p:nvPr/>
+        </p:nvCxnSpPr>
+        <p:spPr>
+          <a:xfrm>
+            <a:off x="638355" y="2218420"/>
+            <a:ext cx="1257118" cy="0"/>
+          </a:xfrm>
+          <a:prstGeom prst="straightConnector1">
+            <a:avLst/>
+          </a:prstGeom>
+          <a:ln>
+            <a:solidFill>
+              <a:srgbClr val="92D050"/>
+            </a:solidFill>
+            <a:tailEnd type="triangle"/>
+          </a:ln>
+        </p:spPr>
+        <p:style>
+          <a:lnRef idx="1">
+            <a:schemeClr val="accent1"/>
+          </a:lnRef>
+          <a:fillRef idx="0">
+            <a:schemeClr val="accent1"/>
+          </a:fillRef>
+          <a:effectRef idx="0">
+            <a:schemeClr val="accent1"/>
+          </a:effectRef>
+          <a:fontRef idx="minor">
+            <a:schemeClr val="tx1"/>
+          </a:fontRef>
+        </p:style>
+      </p:cxnSp>
+      <p:sp>
+        <p:nvSpPr>
+          <p:cNvPr id="22" name="ZoneTexte 21">
+            <a:extLst>
+              <a:ext uri="{FF2B5EF4-FFF2-40B4-BE49-F238E27FC236}">
+                <a16:creationId xmlns:a16="http://schemas.microsoft.com/office/drawing/2014/main" id="{2D683BEE-5078-9D0C-1A84-107D947FE0AA}"/>
+              </a:ext>
+            </a:extLst>
+          </p:cNvPr>
+          <p:cNvSpPr txBox="1"/>
+          <p:nvPr/>
+        </p:nvSpPr>
+        <p:spPr>
+          <a:xfrm>
+            <a:off x="639520" y="1956810"/>
+            <a:ext cx="1390468" cy="261610"/>
+          </a:xfrm>
+          <a:prstGeom prst="rect">
+            <a:avLst/>
+          </a:prstGeom>
+          <a:noFill/>
+        </p:spPr>
+        <p:txBody>
+          <a:bodyPr wrap="square" rtlCol="0">
+            <a:spAutoFit/>
+          </a:bodyPr>
+          <a:lstStyle/>
+          <a:p>
+            <a:r>
+              <a:rPr lang="fr-FR" sz="1050" dirty="0">
+                <a:solidFill>
+                  <a:schemeClr val="bg1"/>
+                </a:solidFill>
+              </a:rPr>
+              <a:t>Signal 1hz</a:t>
+            </a:r>
+          </a:p>
+        </p:txBody>
+      </p:sp>
+      <p:cxnSp>
+        <p:nvCxnSpPr>
+          <p:cNvPr id="23" name="Connecteur droit avec flèche 22">
+            <a:extLst>
+              <a:ext uri="{FF2B5EF4-FFF2-40B4-BE49-F238E27FC236}">
+                <a16:creationId xmlns:a16="http://schemas.microsoft.com/office/drawing/2014/main" id="{10E56B73-DDB1-4982-B9C3-AD92DB02BB57}"/>
+              </a:ext>
+            </a:extLst>
+          </p:cNvPr>
+          <p:cNvCxnSpPr>
+            <a:cxnSpLocks/>
+          </p:cNvCxnSpPr>
+          <p:nvPr/>
+        </p:nvCxnSpPr>
+        <p:spPr>
+          <a:xfrm flipV="1">
+            <a:off x="638355" y="4754850"/>
+            <a:ext cx="1257118" cy="6931"/>
+          </a:xfrm>
+          <a:prstGeom prst="straightConnector1">
+            <a:avLst/>
+          </a:prstGeom>
+          <a:ln>
+            <a:solidFill>
+              <a:srgbClr val="92D050"/>
+            </a:solidFill>
+            <a:tailEnd type="triangle"/>
+          </a:ln>
+        </p:spPr>
+        <p:style>
+          <a:lnRef idx="1">
+            <a:schemeClr val="accent1"/>
+          </a:lnRef>
+          <a:fillRef idx="0">
+            <a:schemeClr val="accent1"/>
+          </a:fillRef>
+          <a:effectRef idx="0">
+            <a:schemeClr val="accent1"/>
+          </a:effectRef>
+          <a:fontRef idx="minor">
+            <a:schemeClr val="tx1"/>
+          </a:fontRef>
+        </p:style>
+      </p:cxnSp>
+      <p:sp>
+        <p:nvSpPr>
+          <p:cNvPr id="26" name="ZoneTexte 25">
+            <a:extLst>
+              <a:ext uri="{FF2B5EF4-FFF2-40B4-BE49-F238E27FC236}">
+                <a16:creationId xmlns:a16="http://schemas.microsoft.com/office/drawing/2014/main" id="{EA99369C-F817-4FDC-D421-1C9BA917A4AC}"/>
+              </a:ext>
+            </a:extLst>
+          </p:cNvPr>
+          <p:cNvSpPr txBox="1"/>
+          <p:nvPr/>
+        </p:nvSpPr>
+        <p:spPr>
+          <a:xfrm>
+            <a:off x="5637362" y="2971800"/>
+            <a:ext cx="914400" cy="914400"/>
+          </a:xfrm>
+          <a:prstGeom prst="rect">
+            <a:avLst/>
+          </a:prstGeom>
+          <a:noFill/>
+        </p:spPr>
+        <p:txBody>
+          <a:bodyPr wrap="square" rtlCol="0">
+            <a:spAutoFit/>
+          </a:bodyPr>
+          <a:lstStyle/>
+          <a:p>
+            <a:endParaRPr lang="fr-FR" dirty="0"/>
+          </a:p>
+        </p:txBody>
+      </p:sp>
+      <p:sp>
+        <p:nvSpPr>
+          <p:cNvPr id="27" name="ZoneTexte 26">
+            <a:extLst>
+              <a:ext uri="{FF2B5EF4-FFF2-40B4-BE49-F238E27FC236}">
+                <a16:creationId xmlns:a16="http://schemas.microsoft.com/office/drawing/2014/main" id="{92DF5099-34ED-AE6B-19B7-A8DA03DB1CDB}"/>
+              </a:ext>
+            </a:extLst>
+          </p:cNvPr>
+          <p:cNvSpPr txBox="1"/>
+          <p:nvPr/>
+        </p:nvSpPr>
+        <p:spPr>
+          <a:xfrm>
+            <a:off x="747888" y="4480062"/>
+            <a:ext cx="1477453" cy="261610"/>
+          </a:xfrm>
+          <a:prstGeom prst="rect">
+            <a:avLst/>
+          </a:prstGeom>
+          <a:noFill/>
+        </p:spPr>
+        <p:txBody>
+          <a:bodyPr wrap="square" rtlCol="0">
+            <a:spAutoFit/>
+          </a:bodyPr>
+          <a:lstStyle/>
+          <a:p>
+            <a:r>
+              <a:rPr lang="fr-FR" sz="1050" dirty="0" err="1">
+                <a:solidFill>
+                  <a:schemeClr val="bg1"/>
+                </a:solidFill>
+              </a:rPr>
+              <a:t>logictstate</a:t>
+            </a:r>
+            <a:endParaRPr lang="fr-FR" sz="1050" dirty="0">
+              <a:solidFill>
+                <a:schemeClr val="bg1"/>
+              </a:solidFill>
+            </a:endParaRPr>
+          </a:p>
+        </p:txBody>
+      </p:sp>
+      <p:sp>
+        <p:nvSpPr>
+          <p:cNvPr id="36" name="ZoneTexte 35">
+            <a:extLst>
+              <a:ext uri="{FF2B5EF4-FFF2-40B4-BE49-F238E27FC236}">
+                <a16:creationId xmlns:a16="http://schemas.microsoft.com/office/drawing/2014/main" id="{B08CC55F-BF2E-4C95-5D44-EEBE6F4240B1}"/>
+              </a:ext>
+            </a:extLst>
+          </p:cNvPr>
+          <p:cNvSpPr txBox="1"/>
+          <p:nvPr/>
+        </p:nvSpPr>
+        <p:spPr>
+          <a:xfrm>
+            <a:off x="7464456" y="3440943"/>
+            <a:ext cx="855352" cy="507831"/>
+          </a:xfrm>
+          <a:prstGeom prst="rect">
+            <a:avLst/>
+          </a:prstGeom>
+          <a:noFill/>
+        </p:spPr>
+        <p:txBody>
+          <a:bodyPr wrap="square" rtlCol="0">
+            <a:spAutoFit/>
+          </a:bodyPr>
+          <a:lstStyle/>
+          <a:p>
+            <a:r>
+              <a:rPr lang="fr-FR" sz="900" dirty="0">
+                <a:solidFill>
+                  <a:schemeClr val="bg1"/>
+                </a:solidFill>
+              </a:rPr>
+              <a:t>Signal 10hz</a:t>
+            </a:r>
+          </a:p>
+          <a:p>
+            <a:endParaRPr lang="fr-FR" dirty="0"/>
+          </a:p>
+        </p:txBody>
+      </p:sp>
+      <p:cxnSp>
+        <p:nvCxnSpPr>
+          <p:cNvPr id="37" name="Connecteur droit avec flèche 36">
+            <a:extLst>
+              <a:ext uri="{FF2B5EF4-FFF2-40B4-BE49-F238E27FC236}">
+                <a16:creationId xmlns:a16="http://schemas.microsoft.com/office/drawing/2014/main" id="{56067FEB-D40F-2954-22BB-1B4CF2098EE9}"/>
+              </a:ext>
+            </a:extLst>
+          </p:cNvPr>
+          <p:cNvCxnSpPr>
+            <a:cxnSpLocks/>
+          </p:cNvCxnSpPr>
+          <p:nvPr/>
+        </p:nvCxnSpPr>
+        <p:spPr>
+          <a:xfrm>
+            <a:off x="9964204" y="3690045"/>
+            <a:ext cx="326994" cy="0"/>
+          </a:xfrm>
+          <a:prstGeom prst="straightConnector1">
+            <a:avLst/>
+          </a:prstGeom>
+          <a:ln>
+            <a:solidFill>
+              <a:srgbClr val="92D050"/>
+            </a:solidFill>
+            <a:tailEnd type="triangle"/>
+          </a:ln>
+        </p:spPr>
+        <p:style>
+          <a:lnRef idx="1">
+            <a:schemeClr val="accent1"/>
+          </a:lnRef>
+          <a:fillRef idx="0">
+            <a:schemeClr val="accent1"/>
+          </a:fillRef>
+          <a:effectRef idx="0">
+            <a:schemeClr val="accent1"/>
+          </a:effectRef>
+          <a:fontRef idx="minor">
+            <a:schemeClr val="tx1"/>
+          </a:fontRef>
+        </p:style>
+      </p:cxnSp>
+      <p:sp>
+        <p:nvSpPr>
+          <p:cNvPr id="38" name="Rectangle 37">
+            <a:extLst>
+              <a:ext uri="{FF2B5EF4-FFF2-40B4-BE49-F238E27FC236}">
+                <a16:creationId xmlns:a16="http://schemas.microsoft.com/office/drawing/2014/main" id="{6534A4DE-980A-189E-B476-1AF280680EBE}"/>
+              </a:ext>
+            </a:extLst>
+          </p:cNvPr>
+          <p:cNvSpPr/>
+          <p:nvPr/>
+        </p:nvSpPr>
+        <p:spPr>
+          <a:xfrm>
+            <a:off x="10291198" y="3194394"/>
+            <a:ext cx="1599816" cy="991302"/>
+          </a:xfrm>
+          <a:prstGeom prst="rect">
+            <a:avLst/>
+          </a:prstGeom>
+          <a:solidFill>
+            <a:srgbClr val="92D050">
+              <a:alpha val="50000"/>
+            </a:srgbClr>
+          </a:solidFill>
+        </p:spPr>
+        <p:style>
+          <a:lnRef idx="2">
+            <a:schemeClr val="accent1">
+              <a:shade val="15000"/>
+            </a:schemeClr>
+          </a:lnRef>
+          <a:fillRef idx="1">
+            <a:schemeClr val="accent1"/>
+          </a:fillRef>
+          <a:effectRef idx="0">
+            <a:schemeClr val="accent1"/>
+          </a:effectRef>
+          <a:fontRef idx="minor">
+            <a:schemeClr val="lt1"/>
+          </a:fontRef>
+        </p:style>
+        <p:txBody>
+          <a:bodyPr rtlCol="0" anchor="ctr"/>
+          <a:lstStyle/>
+          <a:p>
+            <a:pPr algn="ctr"/>
+            <a:r>
+              <a:rPr lang="fr-FR" dirty="0" err="1">
+                <a:solidFill>
+                  <a:schemeClr val="tx1"/>
+                </a:solidFill>
+              </a:rPr>
+              <a:t>Led</a:t>
+            </a:r>
+            <a:r>
+              <a:rPr lang="fr-FR" dirty="0">
+                <a:solidFill>
+                  <a:schemeClr val="tx1"/>
+                </a:solidFill>
+              </a:rPr>
+              <a:t> </a:t>
+            </a:r>
           </a:p>
         </p:txBody>
       </p:sp>
@@ -5211,7 +7843,12 @@
             <p:ph type="title"/>
           </p:nvPr>
         </p:nvSpPr>
-        <p:spPr/>
+        <p:spPr>
+          <a:xfrm>
+            <a:off x="1118664" y="197044"/>
+            <a:ext cx="10268712" cy="1700784"/>
+          </a:xfrm>
+        </p:spPr>
         <p:txBody>
           <a:bodyPr>
             <a:normAutofit fontScale="90000"/>
@@ -5250,6 +7887,36 @@
           </a:p>
         </p:txBody>
       </p:sp>
+      <p:pic>
+        <p:nvPicPr>
+          <p:cNvPr id="5" name="Image 4">
+            <a:extLst>
+              <a:ext uri="{FF2B5EF4-FFF2-40B4-BE49-F238E27FC236}">
+                <a16:creationId xmlns:a16="http://schemas.microsoft.com/office/drawing/2014/main" id="{E0EA70AF-342B-F85A-61F2-98EAA074DEC9}"/>
+              </a:ext>
+            </a:extLst>
+          </p:cNvPr>
+          <p:cNvPicPr>
+            <a:picLocks noChangeAspect="1"/>
+          </p:cNvPicPr>
+          <p:nvPr/>
+        </p:nvPicPr>
+        <p:blipFill>
+          <a:blip r:embed="rId2"/>
+          <a:stretch>
+            <a:fillRect/>
+          </a:stretch>
+        </p:blipFill>
+        <p:spPr>
+          <a:xfrm>
+            <a:off x="852521" y="1441172"/>
+            <a:ext cx="10800999" cy="5291931"/>
+          </a:xfrm>
+          <a:prstGeom prst="rect">
+            <a:avLst/>
+          </a:prstGeom>
+        </p:spPr>
+      </p:pic>
     </p:spTree>
     <p:extLst>
       <p:ext uri="{BB962C8B-B14F-4D97-AF65-F5344CB8AC3E}">
@@ -5304,9 +7971,16 @@
             <p:ph type="title"/>
           </p:nvPr>
         </p:nvSpPr>
-        <p:spPr/>
-        <p:txBody>
-          <a:bodyPr/>
+        <p:spPr>
+          <a:xfrm>
+            <a:off x="6421120" y="317814"/>
+            <a:ext cx="4807712" cy="1700784"/>
+          </a:xfrm>
+        </p:spPr>
+        <p:txBody>
+          <a:bodyPr>
+            <a:normAutofit fontScale="90000"/>
+          </a:bodyPr>
           <a:lstStyle/>
           <a:p>
             <a:r>
@@ -5337,10 +8011,40 @@
           <a:bodyPr/>
           <a:lstStyle/>
           <a:p>
-            <a:endParaRPr lang="fr-FR"/>
-          </a:p>
-        </p:txBody>
-      </p:sp>
+            <a:endParaRPr lang="fr-FR" dirty="0"/>
+          </a:p>
+        </p:txBody>
+      </p:sp>
+      <p:pic>
+        <p:nvPicPr>
+          <p:cNvPr id="9" name="Image 8">
+            <a:extLst>
+              <a:ext uri="{FF2B5EF4-FFF2-40B4-BE49-F238E27FC236}">
+                <a16:creationId xmlns:a16="http://schemas.microsoft.com/office/drawing/2014/main" id="{2DFDD6EA-3A20-F003-F200-AD72965F275D}"/>
+              </a:ext>
+            </a:extLst>
+          </p:cNvPr>
+          <p:cNvPicPr>
+            <a:picLocks noChangeAspect="1"/>
+          </p:cNvPicPr>
+          <p:nvPr/>
+        </p:nvPicPr>
+        <p:blipFill>
+          <a:blip r:embed="rId2"/>
+          <a:stretch>
+            <a:fillRect/>
+          </a:stretch>
+        </p:blipFill>
+        <p:spPr>
+          <a:xfrm>
+            <a:off x="609600" y="118631"/>
+            <a:ext cx="4341091" cy="6588881"/>
+          </a:xfrm>
+          <a:prstGeom prst="rect">
+            <a:avLst/>
+          </a:prstGeom>
+        </p:spPr>
+      </p:pic>
     </p:spTree>
     <p:extLst>
       <p:ext uri="{BB962C8B-B14F-4D97-AF65-F5344CB8AC3E}">
@@ -5400,6 +8104,7 @@
           <a:bodyPr/>
           <a:lstStyle/>
           <a:p>
+            <a:pPr algn="ctr"/>
             <a:r>
               <a:rPr lang="fr-FR" dirty="0"/>
               <a:t>Affichage de l’heure </a:t>
@@ -5432,6 +8137,36 @@
           </a:p>
         </p:txBody>
       </p:sp>
+      <p:pic>
+        <p:nvPicPr>
+          <p:cNvPr id="5" name="Image 4">
+            <a:extLst>
+              <a:ext uri="{FF2B5EF4-FFF2-40B4-BE49-F238E27FC236}">
+                <a16:creationId xmlns:a16="http://schemas.microsoft.com/office/drawing/2014/main" id="{558DA827-9493-C983-1FB0-CA1B5C200DF6}"/>
+              </a:ext>
+            </a:extLst>
+          </p:cNvPr>
+          <p:cNvPicPr>
+            <a:picLocks noChangeAspect="1"/>
+          </p:cNvPicPr>
+          <p:nvPr/>
+        </p:nvPicPr>
+        <p:blipFill>
+          <a:blip r:embed="rId2"/>
+          <a:stretch>
+            <a:fillRect/>
+          </a:stretch>
+        </p:blipFill>
+        <p:spPr>
+          <a:xfrm>
+            <a:off x="960120" y="1561223"/>
+            <a:ext cx="10277102" cy="5053778"/>
+          </a:xfrm>
+          <a:prstGeom prst="rect">
+            <a:avLst/>
+          </a:prstGeom>
+        </p:spPr>
+      </p:pic>
     </p:spTree>
     <p:extLst>
       <p:ext uri="{BB962C8B-B14F-4D97-AF65-F5344CB8AC3E}">
@@ -5528,6 +8263,36 @@
           </a:p>
         </p:txBody>
       </p:sp>
+      <p:pic>
+        <p:nvPicPr>
+          <p:cNvPr id="5" name="Image 4">
+            <a:extLst>
+              <a:ext uri="{FF2B5EF4-FFF2-40B4-BE49-F238E27FC236}">
+                <a16:creationId xmlns:a16="http://schemas.microsoft.com/office/drawing/2014/main" id="{C2912EBD-E602-3EEA-B968-74578F5E941D}"/>
+              </a:ext>
+            </a:extLst>
+          </p:cNvPr>
+          <p:cNvPicPr>
+            <a:picLocks noChangeAspect="1"/>
+          </p:cNvPicPr>
+          <p:nvPr/>
+        </p:nvPicPr>
+        <p:blipFill>
+          <a:blip r:embed="rId2"/>
+          <a:stretch>
+            <a:fillRect/>
+          </a:stretch>
+        </p:blipFill>
+        <p:spPr>
+          <a:xfrm>
+            <a:off x="86800" y="1643026"/>
+            <a:ext cx="12018400" cy="4388320"/>
+          </a:xfrm>
+          <a:prstGeom prst="rect">
+            <a:avLst/>
+          </a:prstGeom>
+        </p:spPr>
+      </p:pic>
     </p:spTree>
     <p:extLst>
       <p:ext uri="{BB962C8B-B14F-4D97-AF65-F5344CB8AC3E}">
